--- a/documentation_ro/licenta_prezentare.pptx
+++ b/documentation_ro/licenta_prezentare.pptx
@@ -887,7 +887,7 @@
             <a:fld id="{B61BEF0D-F0BB-DE4B-95CE-6DB70DBA9567}" type="datetimeFigureOut">
               <a:rPr lang="en-US" dirty="0"/>
               <a:pPr/>
-              <a:t>6/24/2016</a:t>
+              <a:t>6/26/2016</a:t>
             </a:fld>
             <a:endParaRPr lang="en-US" dirty="0"/>
           </a:p>
@@ -1135,7 +1135,7 @@
             <a:fld id="{B61BEF0D-F0BB-DE4B-95CE-6DB70DBA9567}" type="datetimeFigureOut">
               <a:rPr lang="en-US" dirty="0"/>
               <a:pPr/>
-              <a:t>6/24/2016</a:t>
+              <a:t>6/26/2016</a:t>
             </a:fld>
             <a:endParaRPr lang="en-US" dirty="0"/>
           </a:p>
@@ -1446,7 +1446,7 @@
             <a:fld id="{B61BEF0D-F0BB-DE4B-95CE-6DB70DBA9567}" type="datetimeFigureOut">
               <a:rPr lang="en-US" dirty="0"/>
               <a:pPr/>
-              <a:t>6/24/2016</a:t>
+              <a:t>6/26/2016</a:t>
             </a:fld>
             <a:endParaRPr lang="en-US" dirty="0"/>
           </a:p>
@@ -1776,7 +1776,7 @@
             <a:fld id="{B61BEF0D-F0BB-DE4B-95CE-6DB70DBA9567}" type="datetimeFigureOut">
               <a:rPr lang="en-US" dirty="0"/>
               <a:pPr/>
-              <a:t>6/24/2016</a:t>
+              <a:t>6/26/2016</a:t>
             </a:fld>
             <a:endParaRPr lang="en-US" dirty="0"/>
           </a:p>
@@ -2087,7 +2087,7 @@
             <a:fld id="{B61BEF0D-F0BB-DE4B-95CE-6DB70DBA9567}" type="datetimeFigureOut">
               <a:rPr lang="en-US" dirty="0"/>
               <a:pPr/>
-              <a:t>6/24/2016</a:t>
+              <a:t>6/26/2016</a:t>
             </a:fld>
             <a:endParaRPr lang="en-US" dirty="0"/>
           </a:p>
@@ -2477,7 +2477,7 @@
             <a:fld id="{B61BEF0D-F0BB-DE4B-95CE-6DB70DBA9567}" type="datetimeFigureOut">
               <a:rPr lang="en-US" dirty="0"/>
               <a:pPr/>
-              <a:t>6/24/2016</a:t>
+              <a:t>6/26/2016</a:t>
             </a:fld>
             <a:endParaRPr lang="en-US" dirty="0"/>
           </a:p>
@@ -2643,7 +2643,7 @@
           <a:p>
             <a:fld id="{55C6B4A9-1611-4792-9094-5F34BCA07E0B}" type="datetimeFigureOut">
               <a:rPr lang="en-US" dirty="0"/>
-              <a:t>6/24/2016</a:t>
+              <a:t>6/26/2016</a:t>
             </a:fld>
             <a:endParaRPr lang="en-US" dirty="0"/>
           </a:p>
@@ -2819,7 +2819,7 @@
             <a:fld id="{B61BEF0D-F0BB-DE4B-95CE-6DB70DBA9567}" type="datetimeFigureOut">
               <a:rPr lang="en-US" dirty="0"/>
               <a:pPr/>
-              <a:t>6/24/2016</a:t>
+              <a:t>6/26/2016</a:t>
             </a:fld>
             <a:endParaRPr lang="en-US" dirty="0"/>
           </a:p>
@@ -2985,7 +2985,7 @@
           <a:p>
             <a:fld id="{42A54C80-263E-416B-A8E0-580EDEADCBDC}" type="datetimeFigureOut">
               <a:rPr lang="en-US" dirty="0"/>
-              <a:t>6/24/2016</a:t>
+              <a:t>6/26/2016</a:t>
             </a:fld>
             <a:endParaRPr lang="en-US" dirty="0"/>
           </a:p>
@@ -3228,7 +3228,7 @@
             <a:fld id="{B61BEF0D-F0BB-DE4B-95CE-6DB70DBA9567}" type="datetimeFigureOut">
               <a:rPr lang="en-US" dirty="0"/>
               <a:pPr/>
-              <a:t>6/24/2016</a:t>
+              <a:t>6/26/2016</a:t>
             </a:fld>
             <a:endParaRPr lang="en-US" dirty="0"/>
           </a:p>
@@ -3456,7 +3456,7 @@
           <a:p>
             <a:fld id="{42A54C80-263E-416B-A8E0-580EDEADCBDC}" type="datetimeFigureOut">
               <a:rPr lang="en-US" dirty="0"/>
-              <a:t>6/24/2016</a:t>
+              <a:t>6/26/2016</a:t>
             </a:fld>
             <a:endParaRPr lang="en-US" dirty="0"/>
           </a:p>
@@ -3826,7 +3826,7 @@
             <a:fld id="{B61BEF0D-F0BB-DE4B-95CE-6DB70DBA9567}" type="datetimeFigureOut">
               <a:rPr lang="en-US" dirty="0"/>
               <a:pPr/>
-              <a:t>6/24/2016</a:t>
+              <a:t>6/26/2016</a:t>
             </a:fld>
             <a:endParaRPr lang="en-US" dirty="0"/>
           </a:p>
@@ -3946,7 +3946,7 @@
             <a:fld id="{B61BEF0D-F0BB-DE4B-95CE-6DB70DBA9567}" type="datetimeFigureOut">
               <a:rPr lang="en-US" dirty="0"/>
               <a:pPr/>
-              <a:t>6/24/2016</a:t>
+              <a:t>6/26/2016</a:t>
             </a:fld>
             <a:endParaRPr lang="en-US" dirty="0"/>
           </a:p>
@@ -4038,7 +4038,7 @@
             <a:fld id="{B61BEF0D-F0BB-DE4B-95CE-6DB70DBA9567}" type="datetimeFigureOut">
               <a:rPr lang="en-US" dirty="0"/>
               <a:pPr/>
-              <a:t>6/24/2016</a:t>
+              <a:t>6/26/2016</a:t>
             </a:fld>
             <a:endParaRPr lang="en-US" dirty="0"/>
           </a:p>
@@ -4289,7 +4289,7 @@
           <a:p>
             <a:fld id="{42A54C80-263E-416B-A8E0-580EDEADCBDC}" type="datetimeFigureOut">
               <a:rPr lang="en-US" dirty="0"/>
-              <a:t>6/24/2016</a:t>
+              <a:t>6/26/2016</a:t>
             </a:fld>
             <a:endParaRPr lang="en-US" dirty="0"/>
           </a:p>
@@ -4591,7 +4591,7 @@
             <a:fld id="{B61BEF0D-F0BB-DE4B-95CE-6DB70DBA9567}" type="datetimeFigureOut">
               <a:rPr lang="en-US" dirty="0"/>
               <a:pPr/>
-              <a:t>6/24/2016</a:t>
+              <a:t>6/26/2016</a:t>
             </a:fld>
             <a:endParaRPr lang="en-US" dirty="0"/>
           </a:p>
@@ -5289,7 +5289,7 @@
             <a:fld id="{B61BEF0D-F0BB-DE4B-95CE-6DB70DBA9567}" type="datetimeFigureOut">
               <a:rPr lang="en-US" dirty="0"/>
               <a:pPr/>
-              <a:t>6/24/2016</a:t>
+              <a:t>6/26/2016</a:t>
             </a:fld>
             <a:endParaRPr lang="en-US" dirty="0"/>
           </a:p>
@@ -5846,7 +5846,23 @@
                   <a:schemeClr val="tx1"/>
                 </a:solidFill>
               </a:rPr>
-              <a:t>comunicatie</a:t>
+              <a:t>comunica</a:t>
+            </a:r>
+            <a:r>
+              <a:rPr lang="ro-RO" dirty="0" smtClean="0">
+                <a:solidFill>
+                  <a:schemeClr val="tx1"/>
+                </a:solidFill>
+              </a:rPr>
+              <a:t>ț</a:t>
+            </a:r>
+            <a:r>
+              <a:rPr lang="en-US" dirty="0" err="1" smtClean="0">
+                <a:solidFill>
+                  <a:schemeClr val="tx1"/>
+                </a:solidFill>
+              </a:rPr>
+              <a:t>ie</a:t>
             </a:r>
             <a:r>
               <a:rPr lang="en-US" dirty="0" smtClean="0">
@@ -6140,7 +6156,27 @@
                   </a:schemeClr>
                 </a:solidFill>
               </a:rPr>
-              <a:t>aplicatie</a:t>
+              <a:t>aplica</a:t>
+            </a:r>
+            <a:r>
+              <a:rPr lang="ro-RO" b="1" dirty="0" smtClean="0">
+                <a:solidFill>
+                  <a:schemeClr val="accent2">
+                    <a:lumMod val="75000"/>
+                  </a:schemeClr>
+                </a:solidFill>
+              </a:rPr>
+              <a:t>ț</a:t>
+            </a:r>
+            <a:r>
+              <a:rPr lang="en-US" b="1" dirty="0" err="1" smtClean="0">
+                <a:solidFill>
+                  <a:schemeClr val="accent2">
+                    <a:lumMod val="75000"/>
+                  </a:schemeClr>
+                </a:solidFill>
+              </a:rPr>
+              <a:t>ie</a:t>
             </a:r>
             <a:endParaRPr lang="en-US" b="1" dirty="0" smtClean="0">
               <a:solidFill>
@@ -6183,20 +6219,28 @@
           </a:p>
           <a:p>
             <a:r>
-              <a:rPr lang="en-US" dirty="0" err="1" smtClean="0">
-                <a:solidFill>
-                  <a:schemeClr val="tx1"/>
-                </a:solidFill>
-              </a:rPr>
-              <a:t>Pasii</a:t>
-            </a:r>
-            <a:r>
-              <a:rPr lang="en-US" dirty="0" smtClean="0">
-                <a:solidFill>
-                  <a:schemeClr val="tx1"/>
-                </a:solidFill>
-              </a:rPr>
-              <a:t> </a:t>
+              <a:rPr lang="en-US" dirty="0" smtClean="0">
+                <a:solidFill>
+                  <a:schemeClr val="tx1"/>
+                </a:solidFill>
+              </a:rPr>
+              <a:t>Pa</a:t>
+            </a:r>
+            <a:r>
+              <a:rPr lang="ro-RO" dirty="0" smtClean="0">
+                <a:solidFill>
+                  <a:schemeClr val="tx1"/>
+                </a:solidFill>
+              </a:rPr>
+              <a:t>ș</a:t>
+            </a:r>
+            <a:r>
+              <a:rPr lang="en-US" dirty="0" smtClean="0">
+                <a:solidFill>
+                  <a:schemeClr val="tx1"/>
+                </a:solidFill>
+              </a:rPr>
+              <a:t>ii </a:t>
             </a:r>
             <a:r>
               <a:rPr lang="en-US" dirty="0" err="1" smtClean="0">
@@ -6281,7 +6325,23 @@
                   <a:schemeClr val="tx1"/>
                 </a:solidFill>
               </a:rPr>
-              <a:t>Intrebari</a:t>
+              <a:t>Intreb</a:t>
+            </a:r>
+            <a:r>
+              <a:rPr lang="ro-RO" dirty="0" smtClean="0">
+                <a:solidFill>
+                  <a:schemeClr val="tx1"/>
+                </a:solidFill>
+              </a:rPr>
+              <a:t>ă</a:t>
+            </a:r>
+            <a:r>
+              <a:rPr lang="en-US" dirty="0" err="1" smtClean="0">
+                <a:solidFill>
+                  <a:schemeClr val="tx1"/>
+                </a:solidFill>
+              </a:rPr>
+              <a:t>ri</a:t>
             </a:r>
             <a:endParaRPr lang="en-US" dirty="0">
               <a:solidFill>
@@ -6376,12 +6436,28 @@
               <a:t> in </a:t>
             </a:r>
             <a:r>
-              <a:rPr lang="en-US" dirty="0" err="1">
-                <a:solidFill>
-                  <a:schemeClr val="tx1"/>
-                </a:solidFill>
-              </a:rPr>
-              <a:t>aplicatie</a:t>
+              <a:rPr lang="en-US" dirty="0" err="1" smtClean="0">
+                <a:solidFill>
+                  <a:schemeClr val="tx1"/>
+                </a:solidFill>
+              </a:rPr>
+              <a:t>aplica</a:t>
+            </a:r>
+            <a:r>
+              <a:rPr lang="ro-RO" dirty="0" smtClean="0">
+                <a:solidFill>
+                  <a:schemeClr val="tx1"/>
+                </a:solidFill>
+              </a:rPr>
+              <a:t>ț</a:t>
+            </a:r>
+            <a:r>
+              <a:rPr lang="en-US" dirty="0" err="1" smtClean="0">
+                <a:solidFill>
+                  <a:schemeClr val="tx1"/>
+                </a:solidFill>
+              </a:rPr>
+              <a:t>ie</a:t>
             </a:r>
             <a:endParaRPr lang="en-US" dirty="0">
               <a:solidFill>
@@ -6407,116 +6483,236 @@
           <a:lstStyle/>
           <a:p>
             <a:r>
-              <a:rPr lang="en-US" dirty="0" err="1" smtClean="0"/>
+              <a:rPr lang="en-US" dirty="0" err="1" smtClean="0">
+                <a:solidFill>
+                  <a:schemeClr val="tx1"/>
+                </a:solidFill>
+              </a:rPr>
               <a:t>PhP</a:t>
             </a:r>
-            <a:endParaRPr lang="en-US" dirty="0" smtClean="0"/>
+            <a:endParaRPr lang="en-US" dirty="0" smtClean="0">
+              <a:solidFill>
+                <a:schemeClr val="tx1"/>
+              </a:solidFill>
+            </a:endParaRPr>
           </a:p>
           <a:p>
             <a:pPr lvl="1"/>
             <a:r>
-              <a:rPr lang="en-US" dirty="0" err="1" smtClean="0"/>
+              <a:rPr lang="en-US" dirty="0" err="1" smtClean="0">
+                <a:solidFill>
+                  <a:schemeClr val="tx1"/>
+                </a:solidFill>
+              </a:rPr>
               <a:t>Pe</a:t>
             </a:r>
             <a:r>
-              <a:rPr lang="en-US" dirty="0" smtClean="0"/>
+              <a:rPr lang="en-US" dirty="0" smtClean="0">
+                <a:solidFill>
+                  <a:schemeClr val="tx1"/>
+                </a:solidFill>
+              </a:rPr>
               <a:t> </a:t>
             </a:r>
             <a:r>
-              <a:rPr lang="en-US" dirty="0" err="1" smtClean="0"/>
+              <a:rPr lang="en-US" dirty="0" err="1" smtClean="0">
+                <a:solidFill>
+                  <a:schemeClr val="tx1"/>
+                </a:solidFill>
+              </a:rPr>
               <a:t>partea</a:t>
             </a:r>
             <a:r>
-              <a:rPr lang="en-US" dirty="0" smtClean="0"/>
+              <a:rPr lang="en-US" dirty="0" smtClean="0">
+                <a:solidFill>
+                  <a:schemeClr val="tx1"/>
+                </a:solidFill>
+              </a:rPr>
               <a:t> de server</a:t>
             </a:r>
           </a:p>
           <a:p>
             <a:r>
-              <a:rPr lang="en-US" dirty="0" smtClean="0"/>
+              <a:rPr lang="en-US" dirty="0" smtClean="0">
+                <a:solidFill>
+                  <a:schemeClr val="tx1"/>
+                </a:solidFill>
+              </a:rPr>
               <a:t>HTML + CSS</a:t>
             </a:r>
           </a:p>
           <a:p>
             <a:pPr lvl="1"/>
             <a:r>
-              <a:rPr lang="en-US" dirty="0" err="1" smtClean="0"/>
+              <a:rPr lang="en-US" dirty="0" err="1" smtClean="0">
+                <a:solidFill>
+                  <a:schemeClr val="tx1"/>
+                </a:solidFill>
+              </a:rPr>
               <a:t>Pentru</a:t>
             </a:r>
             <a:r>
-              <a:rPr lang="en-US" dirty="0" smtClean="0"/>
+              <a:rPr lang="en-US" dirty="0" smtClean="0">
+                <a:solidFill>
+                  <a:schemeClr val="tx1"/>
+                </a:solidFill>
+              </a:rPr>
               <a:t> </a:t>
             </a:r>
             <a:r>
-              <a:rPr lang="en-US" dirty="0" err="1" smtClean="0"/>
-              <a:t>interfata</a:t>
-            </a:r>
-            <a:r>
-              <a:rPr lang="en-US" dirty="0" smtClean="0"/>
-              <a:t> web</a:t>
-            </a:r>
-          </a:p>
-          <a:p>
-            <a:r>
-              <a:rPr lang="en-US" dirty="0" err="1" smtClean="0"/>
+              <a:rPr lang="en-US" dirty="0" err="1" smtClean="0">
+                <a:solidFill>
+                  <a:schemeClr val="tx1"/>
+                </a:solidFill>
+              </a:rPr>
+              <a:t>interfa</a:t>
+            </a:r>
+            <a:r>
+              <a:rPr lang="ro-RO" dirty="0">
+                <a:solidFill>
+                  <a:schemeClr val="tx1"/>
+                </a:solidFill>
+              </a:rPr>
+              <a:t>ț</a:t>
+            </a:r>
+            <a:r>
+              <a:rPr lang="en-US" dirty="0" smtClean="0">
+                <a:solidFill>
+                  <a:schemeClr val="tx1"/>
+                </a:solidFill>
+              </a:rPr>
+              <a:t>a </a:t>
+            </a:r>
+            <a:r>
+              <a:rPr lang="en-US" dirty="0" smtClean="0">
+                <a:solidFill>
+                  <a:schemeClr val="tx1"/>
+                </a:solidFill>
+              </a:rPr>
+              <a:t>web</a:t>
+            </a:r>
+          </a:p>
+          <a:p>
+            <a:r>
+              <a:rPr lang="en-US" dirty="0" err="1" smtClean="0">
+                <a:solidFill>
+                  <a:schemeClr val="tx1"/>
+                </a:solidFill>
+              </a:rPr>
               <a:t>Javascript</a:t>
             </a:r>
-            <a:endParaRPr lang="en-US" dirty="0" smtClean="0"/>
+            <a:endParaRPr lang="en-US" dirty="0" smtClean="0">
+              <a:solidFill>
+                <a:schemeClr val="tx1"/>
+              </a:solidFill>
+            </a:endParaRPr>
           </a:p>
           <a:p>
             <a:pPr lvl="1"/>
             <a:r>
-              <a:rPr lang="en-US" dirty="0" err="1" smtClean="0"/>
+              <a:rPr lang="en-US" dirty="0" err="1" smtClean="0">
+                <a:solidFill>
+                  <a:schemeClr val="tx1"/>
+                </a:solidFill>
+              </a:rPr>
               <a:t>Pentru</a:t>
             </a:r>
             <a:r>
-              <a:rPr lang="en-US" dirty="0" smtClean="0"/>
+              <a:rPr lang="en-US" dirty="0" smtClean="0">
+                <a:solidFill>
+                  <a:schemeClr val="tx1"/>
+                </a:solidFill>
+              </a:rPr>
               <a:t> </a:t>
             </a:r>
             <a:r>
-              <a:rPr lang="en-US" dirty="0" err="1" smtClean="0"/>
+              <a:rPr lang="en-US" dirty="0" err="1" smtClean="0">
+                <a:solidFill>
+                  <a:schemeClr val="tx1"/>
+                </a:solidFill>
+              </a:rPr>
               <a:t>comunicarea</a:t>
             </a:r>
             <a:r>
-              <a:rPr lang="en-US" dirty="0" smtClean="0"/>
+              <a:rPr lang="en-US" dirty="0" smtClean="0">
+                <a:solidFill>
+                  <a:schemeClr val="tx1"/>
+                </a:solidFill>
+              </a:rPr>
               <a:t> cu browser</a:t>
             </a:r>
           </a:p>
           <a:p>
             <a:pPr lvl="1"/>
             <a:r>
-              <a:rPr lang="en-US" dirty="0" err="1" smtClean="0"/>
+              <a:rPr lang="en-US" dirty="0" err="1" smtClean="0">
+                <a:solidFill>
+                  <a:schemeClr val="tx1"/>
+                </a:solidFill>
+              </a:rPr>
               <a:t>Pentru</a:t>
             </a:r>
             <a:r>
-              <a:rPr lang="en-US" dirty="0" smtClean="0"/>
+              <a:rPr lang="en-US" dirty="0" smtClean="0">
+                <a:solidFill>
+                  <a:schemeClr val="tx1"/>
+                </a:solidFill>
+              </a:rPr>
               <a:t> </a:t>
             </a:r>
             <a:r>
-              <a:rPr lang="en-US" dirty="0" err="1" smtClean="0"/>
+              <a:rPr lang="en-US" dirty="0" err="1" smtClean="0">
+                <a:solidFill>
+                  <a:schemeClr val="tx1"/>
+                </a:solidFill>
+              </a:rPr>
               <a:t>folosirea</a:t>
             </a:r>
             <a:r>
-              <a:rPr lang="en-US" dirty="0" smtClean="0"/>
+              <a:rPr lang="en-US" dirty="0" smtClean="0">
+                <a:solidFill>
+                  <a:schemeClr val="tx1"/>
+                </a:solidFill>
+              </a:rPr>
               <a:t> API-</a:t>
             </a:r>
             <a:r>
-              <a:rPr lang="en-US" dirty="0" err="1" smtClean="0"/>
+              <a:rPr lang="en-US" dirty="0" err="1" smtClean="0">
+                <a:solidFill>
+                  <a:schemeClr val="tx1"/>
+                </a:solidFill>
+              </a:rPr>
               <a:t>ului</a:t>
             </a:r>
             <a:r>
-              <a:rPr lang="en-US" dirty="0" smtClean="0"/>
+              <a:rPr lang="en-US" dirty="0" smtClean="0">
+                <a:solidFill>
+                  <a:schemeClr val="tx1"/>
+                </a:solidFill>
+              </a:rPr>
               <a:t> </a:t>
             </a:r>
             <a:r>
-              <a:rPr lang="en-US" dirty="0" err="1" smtClean="0"/>
+              <a:rPr lang="en-US" dirty="0" err="1" smtClean="0">
+                <a:solidFill>
+                  <a:schemeClr val="tx1"/>
+                </a:solidFill>
+              </a:rPr>
               <a:t>WebRTC</a:t>
             </a:r>
-            <a:endParaRPr lang="en-US" dirty="0" smtClean="0"/>
-          </a:p>
-          <a:p>
-            <a:r>
-              <a:rPr lang="en-US" dirty="0" smtClean="0"/>
+            <a:endParaRPr lang="en-US" dirty="0" smtClean="0">
+              <a:solidFill>
+                <a:schemeClr val="tx1"/>
+              </a:solidFill>
+            </a:endParaRPr>
+          </a:p>
+          <a:p>
+            <a:r>
+              <a:rPr lang="en-US" dirty="0" smtClean="0">
+                <a:solidFill>
+                  <a:schemeClr val="tx1"/>
+                </a:solidFill>
+              </a:rPr>
               <a:t>MySQL</a:t>
             </a:r>
           </a:p>
@@ -6875,7 +7071,23 @@
                   <a:schemeClr val="tx1"/>
                 </a:solidFill>
               </a:rPr>
-              <a:t>aplicatie</a:t>
+              <a:t>aplica</a:t>
+            </a:r>
+            <a:r>
+              <a:rPr lang="ro-RO" dirty="0" smtClean="0">
+                <a:solidFill>
+                  <a:schemeClr val="tx1"/>
+                </a:solidFill>
+              </a:rPr>
+              <a:t>ț</a:t>
+            </a:r>
+            <a:r>
+              <a:rPr lang="en-US" dirty="0" err="1" smtClean="0">
+                <a:solidFill>
+                  <a:schemeClr val="tx1"/>
+                </a:solidFill>
+              </a:rPr>
+              <a:t>ie</a:t>
             </a:r>
             <a:endParaRPr lang="en-US" dirty="0" smtClean="0">
               <a:solidFill>
@@ -6924,20 +7136,28 @@
           </a:p>
           <a:p>
             <a:r>
-              <a:rPr lang="en-US" dirty="0" err="1" smtClean="0">
-                <a:solidFill>
-                  <a:schemeClr val="tx1"/>
-                </a:solidFill>
-              </a:rPr>
-              <a:t>Pasii</a:t>
-            </a:r>
-            <a:r>
-              <a:rPr lang="en-US" dirty="0" smtClean="0">
-                <a:solidFill>
-                  <a:schemeClr val="tx1"/>
-                </a:solidFill>
-              </a:rPr>
-              <a:t> </a:t>
+              <a:rPr lang="en-US" dirty="0" smtClean="0">
+                <a:solidFill>
+                  <a:schemeClr val="tx1"/>
+                </a:solidFill>
+              </a:rPr>
+              <a:t>Pa</a:t>
+            </a:r>
+            <a:r>
+              <a:rPr lang="ro-RO" dirty="0" smtClean="0">
+                <a:solidFill>
+                  <a:schemeClr val="tx1"/>
+                </a:solidFill>
+              </a:rPr>
+              <a:t>ș</a:t>
+            </a:r>
+            <a:r>
+              <a:rPr lang="en-US" dirty="0" smtClean="0">
+                <a:solidFill>
+                  <a:schemeClr val="tx1"/>
+                </a:solidFill>
+              </a:rPr>
+              <a:t>ii </a:t>
             </a:r>
             <a:r>
               <a:rPr lang="en-US" dirty="0" err="1" smtClean="0">
@@ -7022,7 +7242,23 @@
                   <a:schemeClr val="tx1"/>
                 </a:solidFill>
               </a:rPr>
-              <a:t>Intrebari</a:t>
+              <a:t>Intreb</a:t>
+            </a:r>
+            <a:r>
+              <a:rPr lang="ro-RO" dirty="0" smtClean="0">
+                <a:solidFill>
+                  <a:schemeClr val="tx1"/>
+                </a:solidFill>
+              </a:rPr>
+              <a:t>ă</a:t>
+            </a:r>
+            <a:r>
+              <a:rPr lang="en-US" dirty="0" err="1" smtClean="0">
+                <a:solidFill>
+                  <a:schemeClr val="tx1"/>
+                </a:solidFill>
+              </a:rPr>
+              <a:t>ri</a:t>
             </a:r>
             <a:endParaRPr lang="en-US" dirty="0">
               <a:solidFill>
@@ -7128,108 +7364,284 @@
           <a:lstStyle/>
           <a:p>
             <a:r>
-              <a:rPr lang="en-US" dirty="0" err="1" smtClean="0"/>
+              <a:rPr lang="en-US" dirty="0" err="1" smtClean="0">
+                <a:solidFill>
+                  <a:schemeClr val="tx1"/>
+                </a:solidFill>
+              </a:rPr>
               <a:t>Arhitectura</a:t>
             </a:r>
             <a:r>
-              <a:rPr lang="en-US" dirty="0" smtClean="0"/>
+              <a:rPr lang="en-US" dirty="0" smtClean="0">
+                <a:solidFill>
+                  <a:schemeClr val="tx1"/>
+                </a:solidFill>
+              </a:rPr>
               <a:t> de tip layer</a:t>
             </a:r>
           </a:p>
           <a:p>
             <a:r>
-              <a:rPr lang="en-US" dirty="0" err="1" smtClean="0"/>
+              <a:rPr lang="en-US" dirty="0" err="1" smtClean="0">
+                <a:solidFill>
+                  <a:schemeClr val="tx1"/>
+                </a:solidFill>
+              </a:rPr>
               <a:t>Avantaj</a:t>
             </a:r>
-            <a:endParaRPr lang="en-US" dirty="0" smtClean="0"/>
+            <a:endParaRPr lang="en-US" dirty="0" smtClean="0">
+              <a:solidFill>
+                <a:schemeClr val="tx1"/>
+              </a:solidFill>
+            </a:endParaRPr>
           </a:p>
           <a:p>
             <a:pPr lvl="1"/>
             <a:r>
-              <a:rPr lang="en-US" dirty="0" err="1" smtClean="0"/>
+              <a:rPr lang="en-US" dirty="0" err="1" smtClean="0">
+                <a:solidFill>
+                  <a:schemeClr val="tx1"/>
+                </a:solidFill>
+              </a:rPr>
               <a:t>Cuplaj</a:t>
             </a:r>
             <a:r>
-              <a:rPr lang="en-US" dirty="0" smtClean="0"/>
-              <a:t> slab </a:t>
-            </a:r>
-            <a:r>
-              <a:rPr lang="en-US" dirty="0" err="1" smtClean="0"/>
-              <a:t>intre</a:t>
-            </a:r>
-            <a:r>
-              <a:rPr lang="en-US" dirty="0" smtClean="0"/>
+              <a:rPr lang="en-US" dirty="0" smtClean="0">
+                <a:solidFill>
+                  <a:schemeClr val="tx1"/>
+                </a:solidFill>
+              </a:rPr>
               <a:t> </a:t>
             </a:r>
             <a:r>
-              <a:rPr lang="en-US" dirty="0" err="1" smtClean="0"/>
+              <a:rPr lang="en-US" dirty="0" smtClean="0">
+                <a:solidFill>
+                  <a:schemeClr val="tx1"/>
+                </a:solidFill>
+              </a:rPr>
+              <a:t>slab</a:t>
+            </a:r>
+            <a:r>
+              <a:rPr lang="ro-RO" dirty="0" smtClean="0">
+                <a:solidFill>
+                  <a:schemeClr val="tx1"/>
+                </a:solidFill>
+              </a:rPr>
+              <a:t> î</a:t>
+            </a:r>
+            <a:r>
+              <a:rPr lang="en-US" dirty="0" err="1" smtClean="0">
+                <a:solidFill>
+                  <a:schemeClr val="tx1"/>
+                </a:solidFill>
+              </a:rPr>
+              <a:t>ntre</a:t>
+            </a:r>
+            <a:r>
+              <a:rPr lang="en-US" dirty="0" smtClean="0">
+                <a:solidFill>
+                  <a:schemeClr val="tx1"/>
+                </a:solidFill>
+              </a:rPr>
+              <a:t> </a:t>
+            </a:r>
+            <a:r>
+              <a:rPr lang="en-US" dirty="0" err="1" smtClean="0">
+                <a:solidFill>
+                  <a:schemeClr val="tx1"/>
+                </a:solidFill>
+              </a:rPr>
               <a:t>componente</a:t>
             </a:r>
-            <a:endParaRPr lang="en-US" dirty="0" smtClean="0"/>
+            <a:endParaRPr lang="en-US" dirty="0" smtClean="0">
+              <a:solidFill>
+                <a:schemeClr val="tx1"/>
+              </a:solidFill>
+            </a:endParaRPr>
           </a:p>
           <a:p>
             <a:pPr lvl="1"/>
             <a:r>
-              <a:rPr lang="en-US" dirty="0" err="1" smtClean="0"/>
+              <a:rPr lang="en-US" dirty="0" err="1" smtClean="0">
+                <a:solidFill>
+                  <a:schemeClr val="tx1"/>
+                </a:solidFill>
+              </a:rPr>
               <a:t>Separarea</a:t>
             </a:r>
             <a:r>
-              <a:rPr lang="en-US" dirty="0" smtClean="0"/>
+              <a:rPr lang="en-US" dirty="0" smtClean="0">
+                <a:solidFill>
+                  <a:schemeClr val="tx1"/>
+                </a:solidFill>
+              </a:rPr>
               <a:t> </a:t>
             </a:r>
             <a:r>
-              <a:rPr lang="en-US" dirty="0" err="1" smtClean="0"/>
-              <a:t>responsabilitatilor</a:t>
-            </a:r>
-            <a:endParaRPr lang="en-US" dirty="0" smtClean="0"/>
+              <a:rPr lang="en-US" dirty="0" err="1" smtClean="0">
+                <a:solidFill>
+                  <a:schemeClr val="tx1"/>
+                </a:solidFill>
+              </a:rPr>
+              <a:t>responsabilit</a:t>
+            </a:r>
+            <a:r>
+              <a:rPr lang="ro-RO" dirty="0" smtClean="0">
+                <a:solidFill>
+                  <a:schemeClr val="tx1"/>
+                </a:solidFill>
+              </a:rPr>
+              <a:t>ăț</a:t>
+            </a:r>
+            <a:r>
+              <a:rPr lang="en-US" dirty="0" err="1" smtClean="0">
+                <a:solidFill>
+                  <a:schemeClr val="tx1"/>
+                </a:solidFill>
+              </a:rPr>
+              <a:t>ilor</a:t>
+            </a:r>
+            <a:endParaRPr lang="en-US" dirty="0" smtClean="0">
+              <a:solidFill>
+                <a:schemeClr val="tx1"/>
+              </a:solidFill>
+            </a:endParaRPr>
           </a:p>
           <a:p>
             <a:pPr lvl="1"/>
             <a:r>
-              <a:rPr lang="en-US" dirty="0" err="1" smtClean="0"/>
-              <a:t>Modificarile</a:t>
-            </a:r>
-            <a:r>
-              <a:rPr lang="en-US" dirty="0" smtClean="0"/>
+              <a:rPr lang="en-US" dirty="0" err="1" smtClean="0">
+                <a:solidFill>
+                  <a:schemeClr val="tx1"/>
+                </a:solidFill>
+              </a:rPr>
+              <a:t>Modific</a:t>
+            </a:r>
+            <a:r>
+              <a:rPr lang="ro-RO" dirty="0" smtClean="0">
+                <a:solidFill>
+                  <a:schemeClr val="tx1"/>
+                </a:solidFill>
+              </a:rPr>
+              <a:t>ă</a:t>
+            </a:r>
+            <a:r>
+              <a:rPr lang="en-US" dirty="0" smtClean="0">
+                <a:solidFill>
+                  <a:schemeClr val="tx1"/>
+                </a:solidFill>
+              </a:rPr>
+              <a:t>rile </a:t>
+            </a:r>
+            <a:r>
+              <a:rPr lang="en-US" dirty="0" err="1" smtClean="0">
+                <a:solidFill>
+                  <a:schemeClr val="tx1"/>
+                </a:solidFill>
+              </a:rPr>
+              <a:t>componentelor</a:t>
+            </a:r>
+            <a:endParaRPr lang="en-US" dirty="0" smtClean="0">
+              <a:solidFill>
+                <a:schemeClr val="tx1"/>
+              </a:solidFill>
+            </a:endParaRPr>
+          </a:p>
+          <a:p>
+            <a:pPr lvl="1"/>
+            <a:r>
+              <a:rPr lang="en-US" dirty="0" err="1" smtClean="0">
+                <a:solidFill>
+                  <a:schemeClr val="tx1"/>
+                </a:solidFill>
+              </a:rPr>
+              <a:t>Implementare</a:t>
+            </a:r>
+            <a:r>
+              <a:rPr lang="en-US" dirty="0" smtClean="0">
+                <a:solidFill>
+                  <a:schemeClr val="tx1"/>
+                </a:solidFill>
+              </a:rPr>
               <a:t> </a:t>
             </a:r>
             <a:r>
-              <a:rPr lang="en-US" dirty="0" err="1" smtClean="0"/>
-              <a:t>componentelor</a:t>
-            </a:r>
-            <a:endParaRPr lang="en-US" dirty="0" smtClean="0"/>
+              <a:rPr lang="en-US" dirty="0" smtClean="0">
+                <a:solidFill>
+                  <a:schemeClr val="tx1"/>
+                </a:solidFill>
+              </a:rPr>
+              <a:t>u</a:t>
+            </a:r>
+            <a:r>
+              <a:rPr lang="ro-RO" dirty="0" smtClean="0">
+                <a:solidFill>
+                  <a:schemeClr val="tx1"/>
+                </a:solidFill>
+              </a:rPr>
+              <a:t>ș</a:t>
+            </a:r>
+            <a:r>
+              <a:rPr lang="en-US" dirty="0" err="1" smtClean="0">
+                <a:solidFill>
+                  <a:schemeClr val="tx1"/>
+                </a:solidFill>
+              </a:rPr>
+              <a:t>oara</a:t>
+            </a:r>
+            <a:endParaRPr lang="en-US" dirty="0">
+              <a:solidFill>
+                <a:schemeClr val="tx1"/>
+              </a:solidFill>
+            </a:endParaRPr>
           </a:p>
           <a:p>
             <a:pPr lvl="1"/>
             <a:r>
-              <a:rPr lang="en-US" dirty="0" err="1" smtClean="0"/>
-              <a:t>Implementare</a:t>
-            </a:r>
-            <a:r>
-              <a:rPr lang="en-US" dirty="0" smtClean="0"/>
+              <a:rPr lang="en-US" dirty="0" err="1" smtClean="0">
+                <a:solidFill>
+                  <a:schemeClr val="tx1"/>
+                </a:solidFill>
+              </a:rPr>
+              <a:t>Testare</a:t>
+            </a:r>
+            <a:r>
+              <a:rPr lang="en-US" dirty="0" smtClean="0">
+                <a:solidFill>
+                  <a:schemeClr val="tx1"/>
+                </a:solidFill>
+              </a:rPr>
               <a:t> </a:t>
             </a:r>
             <a:r>
-              <a:rPr lang="en-US" dirty="0" err="1" smtClean="0"/>
-              <a:t>usoara</a:t>
-            </a:r>
-            <a:endParaRPr lang="en-US" dirty="0"/>
-          </a:p>
-          <a:p>
-            <a:pPr lvl="1"/>
-            <a:r>
-              <a:rPr lang="en-US" dirty="0" err="1" smtClean="0"/>
-              <a:t>Testare</a:t>
-            </a:r>
-            <a:r>
-              <a:rPr lang="en-US" dirty="0" smtClean="0"/>
-              <a:t> </a:t>
-            </a:r>
-            <a:r>
-              <a:rPr lang="en-US" dirty="0" err="1" smtClean="0"/>
-              <a:t>usoara</a:t>
-            </a:r>
-            <a:endParaRPr lang="en-US" dirty="0"/>
+              <a:rPr lang="en-US" dirty="0" smtClean="0">
+                <a:solidFill>
+                  <a:schemeClr val="tx1"/>
+                </a:solidFill>
+              </a:rPr>
+              <a:t>u</a:t>
+            </a:r>
+            <a:r>
+              <a:rPr lang="ro-RO" dirty="0" smtClean="0">
+                <a:solidFill>
+                  <a:schemeClr val="tx1"/>
+                </a:solidFill>
+              </a:rPr>
+              <a:t>ș</a:t>
+            </a:r>
+            <a:r>
+              <a:rPr lang="en-US" dirty="0" err="1" smtClean="0">
+                <a:solidFill>
+                  <a:schemeClr val="tx1"/>
+                </a:solidFill>
+              </a:rPr>
+              <a:t>oara</a:t>
+            </a:r>
+            <a:endParaRPr lang="en-US" dirty="0">
+              <a:solidFill>
+                <a:schemeClr val="tx1"/>
+              </a:solidFill>
+            </a:endParaRPr>
           </a:p>
         </p:txBody>
       </p:sp>
@@ -7362,40 +7774,72 @@
           <a:lstStyle/>
           <a:p>
             <a:r>
-              <a:rPr lang="en-US" dirty="0" err="1" smtClean="0"/>
+              <a:rPr lang="en-US" dirty="0" err="1" smtClean="0">
+                <a:solidFill>
+                  <a:schemeClr val="tx1"/>
+                </a:solidFill>
+              </a:rPr>
               <a:t>Arhitectura</a:t>
             </a:r>
             <a:r>
-              <a:rPr lang="en-US" dirty="0" smtClean="0"/>
+              <a:rPr lang="en-US" dirty="0" smtClean="0">
+                <a:solidFill>
+                  <a:schemeClr val="tx1"/>
+                </a:solidFill>
+              </a:rPr>
               <a:t> de </a:t>
             </a:r>
             <a:r>
-              <a:rPr lang="en-US" dirty="0" err="1" smtClean="0"/>
+              <a:rPr lang="en-US" dirty="0" err="1" smtClean="0">
+                <a:solidFill>
+                  <a:schemeClr val="tx1"/>
+                </a:solidFill>
+              </a:rPr>
               <a:t>componente</a:t>
             </a:r>
-            <a:endParaRPr lang="en-US" dirty="0" smtClean="0"/>
+            <a:endParaRPr lang="en-US" dirty="0" smtClean="0">
+              <a:solidFill>
+                <a:schemeClr val="tx1"/>
+              </a:solidFill>
+            </a:endParaRPr>
           </a:p>
           <a:p>
             <a:pPr lvl="1"/>
             <a:r>
-              <a:rPr lang="en-US" dirty="0" smtClean="0"/>
+              <a:rPr lang="en-US" dirty="0" smtClean="0">
+                <a:solidFill>
+                  <a:schemeClr val="tx1"/>
+                </a:solidFill>
+              </a:rPr>
               <a:t>Client</a:t>
             </a:r>
           </a:p>
           <a:p>
             <a:pPr lvl="1"/>
             <a:r>
-              <a:rPr lang="en-US" dirty="0" smtClean="0"/>
+              <a:rPr lang="en-US" dirty="0" smtClean="0">
+                <a:solidFill>
+                  <a:schemeClr val="tx1"/>
+                </a:solidFill>
+              </a:rPr>
               <a:t>Server</a:t>
             </a:r>
           </a:p>
           <a:p>
             <a:pPr lvl="1"/>
             <a:r>
-              <a:rPr lang="en-US" dirty="0" smtClean="0"/>
+              <a:rPr lang="en-US" dirty="0" smtClean="0">
+                <a:solidFill>
+                  <a:schemeClr val="tx1"/>
+                </a:solidFill>
+              </a:rPr>
               <a:t>Database</a:t>
             </a:r>
-            <a:endParaRPr lang="ro-RO" dirty="0"/>
+            <a:endParaRPr lang="ro-RO" dirty="0">
+              <a:solidFill>
+                <a:schemeClr val="tx1"/>
+              </a:solidFill>
+            </a:endParaRPr>
           </a:p>
         </p:txBody>
       </p:sp>
@@ -7532,26 +7976,50 @@
           <a:lstStyle/>
           <a:p>
             <a:r>
-              <a:rPr lang="en-US" dirty="0" err="1" smtClean="0"/>
+              <a:rPr lang="en-US" dirty="0" err="1" smtClean="0">
+                <a:solidFill>
+                  <a:schemeClr val="tx1"/>
+                </a:solidFill>
+              </a:rPr>
               <a:t>Arhitectura</a:t>
             </a:r>
             <a:r>
-              <a:rPr lang="en-US" dirty="0" smtClean="0"/>
+              <a:rPr lang="en-US" dirty="0" smtClean="0">
+                <a:solidFill>
+                  <a:schemeClr val="tx1"/>
+                </a:solidFill>
+              </a:rPr>
               <a:t> </a:t>
             </a:r>
             <a:r>
-              <a:rPr lang="en-US" dirty="0" err="1" smtClean="0"/>
+              <a:rPr lang="en-US" dirty="0" err="1" smtClean="0">
+                <a:solidFill>
+                  <a:schemeClr val="tx1"/>
+                </a:solidFill>
+              </a:rPr>
               <a:t>detaliata</a:t>
             </a:r>
             <a:r>
-              <a:rPr lang="en-US" dirty="0" smtClean="0"/>
+              <a:rPr lang="en-US" dirty="0" smtClean="0">
+                <a:solidFill>
+                  <a:schemeClr val="tx1"/>
+                </a:solidFill>
+              </a:rPr>
               <a:t> a </a:t>
             </a:r>
             <a:r>
-              <a:rPr lang="en-US" dirty="0" err="1" smtClean="0"/>
+              <a:rPr lang="en-US" dirty="0" err="1" smtClean="0">
+                <a:solidFill>
+                  <a:schemeClr val="tx1"/>
+                </a:solidFill>
+              </a:rPr>
               <a:t>componentelor</a:t>
             </a:r>
-            <a:endParaRPr lang="ro-RO" dirty="0"/>
+            <a:endParaRPr lang="ro-RO" dirty="0">
+              <a:solidFill>
+                <a:schemeClr val="tx1"/>
+              </a:solidFill>
+            </a:endParaRPr>
           </a:p>
         </p:txBody>
       </p:sp>
@@ -7679,22 +8147,42 @@
           <a:lstStyle/>
           <a:p>
             <a:r>
-              <a:rPr lang="en-US" dirty="0" err="1" smtClean="0"/>
+              <a:rPr lang="en-US" dirty="0" err="1" smtClean="0">
+                <a:solidFill>
+                  <a:schemeClr val="tx1"/>
+                </a:solidFill>
+              </a:rPr>
               <a:t>Diagrama</a:t>
             </a:r>
             <a:r>
-              <a:rPr lang="en-US" dirty="0" smtClean="0"/>
+              <a:rPr lang="en-US" dirty="0" smtClean="0">
+                <a:solidFill>
+                  <a:schemeClr val="tx1"/>
+                </a:solidFill>
+              </a:rPr>
               <a:t> de </a:t>
             </a:r>
             <a:r>
-              <a:rPr lang="en-US" dirty="0" err="1" smtClean="0"/>
+              <a:rPr lang="en-US" dirty="0" err="1" smtClean="0">
+                <a:solidFill>
+                  <a:schemeClr val="tx1"/>
+                </a:solidFill>
+              </a:rPr>
               <a:t>clase</a:t>
             </a:r>
             <a:r>
-              <a:rPr lang="en-US" dirty="0" smtClean="0"/>
+              <a:rPr lang="en-US" dirty="0" smtClean="0">
+                <a:solidFill>
+                  <a:schemeClr val="tx1"/>
+                </a:solidFill>
+              </a:rPr>
               <a:t> </a:t>
             </a:r>
-            <a:endParaRPr lang="ro-RO" dirty="0"/>
+            <a:endParaRPr lang="ro-RO" dirty="0">
+              <a:solidFill>
+                <a:schemeClr val="tx1"/>
+              </a:solidFill>
+            </a:endParaRPr>
           </a:p>
         </p:txBody>
       </p:sp>
@@ -7919,7 +8407,23 @@
                   <a:schemeClr val="tx1"/>
                 </a:solidFill>
               </a:rPr>
-              <a:t>aplicatie</a:t>
+              <a:t>aplica</a:t>
+            </a:r>
+            <a:r>
+              <a:rPr lang="ro-RO" dirty="0" smtClean="0">
+                <a:solidFill>
+                  <a:schemeClr val="tx1"/>
+                </a:solidFill>
+              </a:rPr>
+              <a:t>ț</a:t>
+            </a:r>
+            <a:r>
+              <a:rPr lang="en-US" dirty="0" err="1" smtClean="0">
+                <a:solidFill>
+                  <a:schemeClr val="tx1"/>
+                </a:solidFill>
+              </a:rPr>
+              <a:t>ie</a:t>
             </a:r>
             <a:endParaRPr lang="en-US" dirty="0" smtClean="0">
               <a:solidFill>
@@ -7960,24 +8464,34 @@
           </a:p>
           <a:p>
             <a:r>
-              <a:rPr lang="en-US" b="1" dirty="0" err="1" smtClean="0">
+              <a:rPr lang="en-US" b="1" dirty="0" smtClean="0">
                 <a:solidFill>
                   <a:schemeClr val="accent2">
                     <a:lumMod val="75000"/>
                   </a:schemeClr>
                 </a:solidFill>
               </a:rPr>
-              <a:t>Pasii</a:t>
-            </a:r>
-            <a:r>
-              <a:rPr lang="en-US" b="1" dirty="0" smtClean="0">
+              <a:t>Pa</a:t>
+            </a:r>
+            <a:r>
+              <a:rPr lang="ro-RO" b="1" dirty="0" smtClean="0">
                 <a:solidFill>
                   <a:schemeClr val="accent2">
                     <a:lumMod val="75000"/>
                   </a:schemeClr>
                 </a:solidFill>
               </a:rPr>
-              <a:t> </a:t>
+              <a:t>ș</a:t>
+            </a:r>
+            <a:r>
+              <a:rPr lang="en-US" b="1" dirty="0" smtClean="0">
+                <a:solidFill>
+                  <a:schemeClr val="accent2">
+                    <a:lumMod val="75000"/>
+                  </a:schemeClr>
+                </a:solidFill>
+              </a:rPr>
+              <a:t>ii </a:t>
             </a:r>
             <a:r>
               <a:rPr lang="en-US" b="1" dirty="0" err="1" smtClean="0">
@@ -8074,7 +8588,23 @@
                   <a:schemeClr val="tx1"/>
                 </a:solidFill>
               </a:rPr>
-              <a:t>Intrebari</a:t>
+              <a:t>Intreb</a:t>
+            </a:r>
+            <a:r>
+              <a:rPr lang="ro-RO" dirty="0" smtClean="0">
+                <a:solidFill>
+                  <a:schemeClr val="tx1"/>
+                </a:solidFill>
+              </a:rPr>
+              <a:t>ă</a:t>
+            </a:r>
+            <a:r>
+              <a:rPr lang="en-US" dirty="0" err="1" smtClean="0">
+                <a:solidFill>
+                  <a:schemeClr val="tx1"/>
+                </a:solidFill>
+              </a:rPr>
+              <a:t>ri</a:t>
             </a:r>
             <a:endParaRPr lang="en-US" dirty="0">
               <a:solidFill>
@@ -8137,20 +8667,28 @@
           <a:lstStyle/>
           <a:p>
             <a:r>
-              <a:rPr lang="en-US" dirty="0" err="1">
-                <a:solidFill>
-                  <a:schemeClr val="tx1"/>
-                </a:solidFill>
-              </a:rPr>
-              <a:t>Pasii</a:t>
-            </a:r>
-            <a:r>
-              <a:rPr lang="en-US" dirty="0">
-                <a:solidFill>
-                  <a:schemeClr val="tx1"/>
-                </a:solidFill>
-              </a:rPr>
-              <a:t> </a:t>
+              <a:rPr lang="en-US" dirty="0" smtClean="0">
+                <a:solidFill>
+                  <a:schemeClr val="tx1"/>
+                </a:solidFill>
+              </a:rPr>
+              <a:t>Pa</a:t>
+            </a:r>
+            <a:r>
+              <a:rPr lang="ro-RO" dirty="0" smtClean="0">
+                <a:solidFill>
+                  <a:schemeClr val="tx1"/>
+                </a:solidFill>
+              </a:rPr>
+              <a:t>ș</a:t>
+            </a:r>
+            <a:r>
+              <a:rPr lang="en-US" dirty="0" smtClean="0">
+                <a:solidFill>
+                  <a:schemeClr val="tx1"/>
+                </a:solidFill>
+              </a:rPr>
+              <a:t>ii </a:t>
             </a:r>
             <a:r>
               <a:rPr lang="en-US" dirty="0" err="1">
@@ -8236,26 +8774,50 @@
           <a:lstStyle/>
           <a:p>
             <a:r>
-              <a:rPr lang="en-US" dirty="0" err="1" smtClean="0"/>
+              <a:rPr lang="en-US" dirty="0" err="1" smtClean="0">
+                <a:solidFill>
+                  <a:schemeClr val="tx1"/>
+                </a:solidFill>
+              </a:rPr>
               <a:t>Conectare</a:t>
             </a:r>
             <a:r>
-              <a:rPr lang="en-US" dirty="0" smtClean="0"/>
+              <a:rPr lang="en-US" dirty="0" smtClean="0">
+                <a:solidFill>
+                  <a:schemeClr val="tx1"/>
+                </a:solidFill>
+              </a:rPr>
               <a:t> in general </a:t>
             </a:r>
             <a:r>
-              <a:rPr lang="en-US" dirty="0" err="1" smtClean="0"/>
+              <a:rPr lang="en-US" dirty="0" err="1" smtClean="0">
+                <a:solidFill>
+                  <a:schemeClr val="tx1"/>
+                </a:solidFill>
+              </a:rPr>
               <a:t>folosind</a:t>
             </a:r>
             <a:r>
-              <a:rPr lang="en-US" dirty="0" smtClean="0"/>
+              <a:rPr lang="en-US" dirty="0" smtClean="0">
+                <a:solidFill>
+                  <a:schemeClr val="tx1"/>
+                </a:solidFill>
+              </a:rPr>
               <a:t> </a:t>
             </a:r>
             <a:r>
-              <a:rPr lang="en-US" dirty="0" err="1" smtClean="0"/>
+              <a:rPr lang="en-US" dirty="0" err="1" smtClean="0">
+                <a:solidFill>
+                  <a:schemeClr val="tx1"/>
+                </a:solidFill>
+              </a:rPr>
               <a:t>WebRTC</a:t>
             </a:r>
-            <a:endParaRPr lang="ro-RO" dirty="0"/>
+            <a:endParaRPr lang="ro-RO" dirty="0">
+              <a:solidFill>
+                <a:schemeClr val="tx1"/>
+              </a:solidFill>
+            </a:endParaRPr>
           </a:p>
         </p:txBody>
       </p:sp>
@@ -8345,20 +8907,28 @@
           <a:lstStyle/>
           <a:p>
             <a:r>
-              <a:rPr lang="en-US" dirty="0" err="1">
-                <a:solidFill>
-                  <a:schemeClr val="tx1"/>
-                </a:solidFill>
-              </a:rPr>
-              <a:t>Pasii</a:t>
-            </a:r>
-            <a:r>
-              <a:rPr lang="en-US" dirty="0">
-                <a:solidFill>
-                  <a:schemeClr val="tx1"/>
-                </a:solidFill>
-              </a:rPr>
-              <a:t> </a:t>
+              <a:rPr lang="en-US" dirty="0" smtClean="0">
+                <a:solidFill>
+                  <a:schemeClr val="tx1"/>
+                </a:solidFill>
+              </a:rPr>
+              <a:t>Pa</a:t>
+            </a:r>
+            <a:r>
+              <a:rPr lang="ro-RO" dirty="0" smtClean="0">
+                <a:solidFill>
+                  <a:schemeClr val="tx1"/>
+                </a:solidFill>
+              </a:rPr>
+              <a:t>ș</a:t>
+            </a:r>
+            <a:r>
+              <a:rPr lang="en-US" dirty="0" smtClean="0">
+                <a:solidFill>
+                  <a:schemeClr val="tx1"/>
+                </a:solidFill>
+              </a:rPr>
+              <a:t>ii </a:t>
             </a:r>
             <a:r>
               <a:rPr lang="en-US" dirty="0" err="1">
@@ -8420,90 +8990,174 @@
           <a:lstStyle/>
           <a:p>
             <a:r>
-              <a:rPr lang="en-US" dirty="0" err="1" smtClean="0"/>
+              <a:rPr lang="en-US" dirty="0" err="1" smtClean="0">
+                <a:solidFill>
+                  <a:schemeClr val="tx1"/>
+                </a:solidFill>
+              </a:rPr>
               <a:t>Mecanism</a:t>
             </a:r>
             <a:r>
-              <a:rPr lang="en-US" dirty="0" smtClean="0"/>
+              <a:rPr lang="en-US" dirty="0" smtClean="0">
+                <a:solidFill>
+                  <a:schemeClr val="tx1"/>
+                </a:solidFill>
+              </a:rPr>
               <a:t> de </a:t>
             </a:r>
             <a:r>
-              <a:rPr lang="en-US" dirty="0" err="1" smtClean="0"/>
-              <a:t>semnalizare</a:t>
-            </a:r>
-            <a:endParaRPr lang="en-US" dirty="0" smtClean="0"/>
-          </a:p>
-          <a:p>
-            <a:r>
-              <a:rPr lang="en-US" dirty="0" smtClean="0"/>
+              <a:rPr lang="en-US" dirty="0" err="1" smtClean="0">
+                <a:solidFill>
+                  <a:schemeClr val="tx1"/>
+                </a:solidFill>
+              </a:rPr>
+              <a:t>semnalare</a:t>
+            </a:r>
+            <a:endParaRPr lang="en-US" dirty="0" smtClean="0">
+              <a:solidFill>
+                <a:schemeClr val="tx1"/>
+              </a:solidFill>
+            </a:endParaRPr>
+          </a:p>
+          <a:p>
+            <a:r>
+              <a:rPr lang="en-US" dirty="0" smtClean="0">
+                <a:solidFill>
+                  <a:schemeClr val="tx1"/>
+                </a:solidFill>
+              </a:rPr>
               <a:t>SDP</a:t>
             </a:r>
           </a:p>
           <a:p>
             <a:pPr lvl="1"/>
             <a:r>
-              <a:rPr lang="en-US" dirty="0" smtClean="0"/>
+              <a:rPr lang="en-US" dirty="0" smtClean="0">
+                <a:solidFill>
+                  <a:schemeClr val="tx1"/>
+                </a:solidFill>
+              </a:rPr>
               <a:t>Session Description Protocol</a:t>
             </a:r>
           </a:p>
           <a:p>
             <a:r>
-              <a:rPr lang="en-US" dirty="0" smtClean="0"/>
+              <a:rPr lang="en-US" dirty="0" smtClean="0">
+                <a:solidFill>
+                  <a:schemeClr val="tx1"/>
+                </a:solidFill>
+              </a:rPr>
               <a:t>ICE Candidate</a:t>
             </a:r>
-            <a:endParaRPr lang="ro-RO" dirty="0"/>
+            <a:endParaRPr lang="ro-RO" dirty="0">
+              <a:solidFill>
+                <a:schemeClr val="tx1"/>
+              </a:solidFill>
+            </a:endParaRPr>
           </a:p>
           <a:p>
             <a:pPr lvl="1"/>
             <a:r>
-              <a:rPr lang="ro-RO" dirty="0"/>
+              <a:rPr lang="ro-RO" dirty="0">
+                <a:solidFill>
+                  <a:schemeClr val="tx1"/>
+                </a:solidFill>
+              </a:rPr>
               <a:t>Interactive Connectivity </a:t>
             </a:r>
             <a:r>
-              <a:rPr lang="ro-RO" dirty="0" smtClean="0"/>
+              <a:rPr lang="ro-RO" dirty="0" smtClean="0">
+                <a:solidFill>
+                  <a:schemeClr val="tx1"/>
+                </a:solidFill>
+              </a:rPr>
               <a:t>Establishment</a:t>
             </a:r>
             <a:r>
-              <a:rPr lang="en-US" dirty="0" smtClean="0"/>
+              <a:rPr lang="en-US" dirty="0" smtClean="0">
+                <a:solidFill>
+                  <a:schemeClr val="tx1"/>
+                </a:solidFill>
+              </a:rPr>
               <a:t> Candidate</a:t>
             </a:r>
-            <a:endParaRPr lang="ro-RO" dirty="0"/>
+            <a:endParaRPr lang="ro-RO" dirty="0">
+              <a:solidFill>
+                <a:schemeClr val="tx1"/>
+              </a:solidFill>
+            </a:endParaRPr>
           </a:p>
           <a:p>
             <a:pPr lvl="1"/>
             <a:r>
-              <a:rPr lang="en-US" dirty="0" smtClean="0"/>
+              <a:rPr lang="en-US" dirty="0" smtClean="0">
+                <a:solidFill>
+                  <a:schemeClr val="tx1"/>
+                </a:solidFill>
+              </a:rPr>
               <a:t>Ex: </a:t>
             </a:r>
             <a:r>
-              <a:rPr lang="ro-RO" dirty="0" smtClean="0"/>
+              <a:rPr lang="ro-RO" dirty="0" smtClean="0">
+                <a:solidFill>
+                  <a:schemeClr val="tx1"/>
+                </a:solidFill>
+              </a:rPr>
               <a:t>a=candidate:1 </a:t>
             </a:r>
             <a:r>
-              <a:rPr lang="ro-RO" dirty="0"/>
+              <a:rPr lang="ro-RO" dirty="0">
+                <a:solidFill>
+                  <a:schemeClr val="tx1"/>
+                </a:solidFill>
+              </a:rPr>
               <a:t>1 </a:t>
             </a:r>
             <a:r>
-              <a:rPr lang="ro-RO" b="1" dirty="0"/>
+              <a:rPr lang="ro-RO" b="1" dirty="0">
+                <a:solidFill>
+                  <a:schemeClr val="tx1"/>
+                </a:solidFill>
+              </a:rPr>
               <a:t>UDP </a:t>
             </a:r>
             <a:r>
-              <a:rPr lang="ro-RO" dirty="0"/>
+              <a:rPr lang="ro-RO" dirty="0">
+                <a:solidFill>
+                  <a:schemeClr val="tx1"/>
+                </a:solidFill>
+              </a:rPr>
               <a:t>2130706431 </a:t>
             </a:r>
             <a:r>
-              <a:rPr lang="ro-RO" b="1" dirty="0"/>
+              <a:rPr lang="ro-RO" b="1" dirty="0">
+                <a:solidFill>
+                  <a:schemeClr val="tx1"/>
+                </a:solidFill>
+              </a:rPr>
               <a:t>192.168.1.102 1816 </a:t>
             </a:r>
             <a:r>
-              <a:rPr lang="ro-RO" dirty="0"/>
+              <a:rPr lang="ro-RO" dirty="0">
+                <a:solidFill>
+                  <a:schemeClr val="tx1"/>
+                </a:solidFill>
+              </a:rPr>
               <a:t>typ </a:t>
             </a:r>
             <a:r>
-              <a:rPr lang="ro-RO" b="1" dirty="0"/>
+              <a:rPr lang="ro-RO" b="1" dirty="0">
+                <a:solidFill>
+                  <a:schemeClr val="tx1"/>
+                </a:solidFill>
+              </a:rPr>
               <a:t>host</a:t>
             </a:r>
-            <a:endParaRPr lang="ro-RO" dirty="0"/>
+            <a:endParaRPr lang="ro-RO" dirty="0">
+              <a:solidFill>
+                <a:schemeClr val="tx1"/>
+              </a:solidFill>
+            </a:endParaRPr>
           </a:p>
         </p:txBody>
       </p:sp>
@@ -8698,7 +9352,23 @@
                   <a:schemeClr val="tx1"/>
                 </a:solidFill>
               </a:rPr>
-              <a:t>aplicatie</a:t>
+              <a:t>aplica</a:t>
+            </a:r>
+            <a:r>
+              <a:rPr lang="ro-RO" dirty="0">
+                <a:solidFill>
+                  <a:schemeClr val="tx1"/>
+                </a:solidFill>
+              </a:rPr>
+              <a:t>ț</a:t>
+            </a:r>
+            <a:r>
+              <a:rPr lang="en-US" dirty="0" err="1" smtClean="0">
+                <a:solidFill>
+                  <a:schemeClr val="tx1"/>
+                </a:solidFill>
+              </a:rPr>
+              <a:t>ie</a:t>
             </a:r>
             <a:endParaRPr lang="en-US" dirty="0" smtClean="0">
               <a:solidFill>
@@ -8739,20 +9409,28 @@
           </a:p>
           <a:p>
             <a:r>
-              <a:rPr lang="en-US" dirty="0" err="1" smtClean="0">
-                <a:solidFill>
-                  <a:schemeClr val="tx1"/>
-                </a:solidFill>
-              </a:rPr>
-              <a:t>Pasii</a:t>
-            </a:r>
-            <a:r>
-              <a:rPr lang="en-US" dirty="0" smtClean="0">
-                <a:solidFill>
-                  <a:schemeClr val="tx1"/>
-                </a:solidFill>
-              </a:rPr>
-              <a:t> </a:t>
+              <a:rPr lang="en-US" dirty="0" smtClean="0">
+                <a:solidFill>
+                  <a:schemeClr val="tx1"/>
+                </a:solidFill>
+              </a:rPr>
+              <a:t>Pa</a:t>
+            </a:r>
+            <a:r>
+              <a:rPr lang="ro-RO" dirty="0" smtClean="0">
+                <a:solidFill>
+                  <a:schemeClr val="tx1"/>
+                </a:solidFill>
+              </a:rPr>
+              <a:t>ș</a:t>
+            </a:r>
+            <a:r>
+              <a:rPr lang="en-US" dirty="0" smtClean="0">
+                <a:solidFill>
+                  <a:schemeClr val="tx1"/>
+                </a:solidFill>
+              </a:rPr>
+              <a:t>ii </a:t>
             </a:r>
             <a:r>
               <a:rPr lang="en-US" dirty="0" err="1" smtClean="0">
@@ -8837,7 +9515,23 @@
                   <a:schemeClr val="tx1"/>
                 </a:solidFill>
               </a:rPr>
-              <a:t>Intrebari</a:t>
+              <a:t>Intreb</a:t>
+            </a:r>
+            <a:r>
+              <a:rPr lang="ro-RO" dirty="0" smtClean="0">
+                <a:solidFill>
+                  <a:schemeClr val="tx1"/>
+                </a:solidFill>
+              </a:rPr>
+              <a:t>ă</a:t>
+            </a:r>
+            <a:r>
+              <a:rPr lang="en-US" dirty="0" err="1" smtClean="0">
+                <a:solidFill>
+                  <a:schemeClr val="tx1"/>
+                </a:solidFill>
+              </a:rPr>
+              <a:t>ri</a:t>
             </a:r>
             <a:endParaRPr lang="en-US" dirty="0">
               <a:solidFill>
@@ -8900,20 +9594,28 @@
           <a:lstStyle/>
           <a:p>
             <a:r>
-              <a:rPr lang="en-US" dirty="0" err="1">
-                <a:solidFill>
-                  <a:schemeClr val="tx1"/>
-                </a:solidFill>
-              </a:rPr>
-              <a:t>Pasii</a:t>
-            </a:r>
-            <a:r>
-              <a:rPr lang="en-US" dirty="0">
-                <a:solidFill>
-                  <a:schemeClr val="tx1"/>
-                </a:solidFill>
-              </a:rPr>
-              <a:t> </a:t>
+              <a:rPr lang="en-US" dirty="0" smtClean="0">
+                <a:solidFill>
+                  <a:schemeClr val="tx1"/>
+                </a:solidFill>
+              </a:rPr>
+              <a:t>Pa</a:t>
+            </a:r>
+            <a:r>
+              <a:rPr lang="ro-RO" dirty="0" smtClean="0">
+                <a:solidFill>
+                  <a:schemeClr val="tx1"/>
+                </a:solidFill>
+              </a:rPr>
+              <a:t>ș</a:t>
+            </a:r>
+            <a:r>
+              <a:rPr lang="en-US" dirty="0" smtClean="0">
+                <a:solidFill>
+                  <a:schemeClr val="tx1"/>
+                </a:solidFill>
+              </a:rPr>
+              <a:t>ii </a:t>
             </a:r>
             <a:r>
               <a:rPr lang="en-US" dirty="0" err="1">
@@ -8975,7 +9677,11 @@
           <a:lstStyle/>
           <a:p>
             <a:r>
-              <a:rPr lang="en-US" dirty="0" smtClean="0"/>
+              <a:rPr lang="en-US" dirty="0" smtClean="0">
+                <a:solidFill>
+                  <a:schemeClr val="tx1"/>
+                </a:solidFill>
+              </a:rPr>
               <a:t>Ex. de SDP</a:t>
             </a:r>
           </a:p>
@@ -8984,7 +9690,11 @@
               <a:buNone/>
             </a:pPr>
             <a:r>
-              <a:rPr lang="ro-RO" sz="2000" dirty="0"/>
+              <a:rPr lang="ro-RO" sz="2000" dirty="0">
+                <a:solidFill>
+                  <a:schemeClr val="tx1"/>
+                </a:solidFill>
+              </a:rPr>
               <a:t>v=0</a:t>
             </a:r>
           </a:p>
@@ -8993,7 +9703,11 @@
               <a:buNone/>
             </a:pPr>
             <a:r>
-              <a:rPr lang="ro-RO" sz="2000" dirty="0"/>
+              <a:rPr lang="ro-RO" sz="2000" dirty="0">
+                <a:solidFill>
+                  <a:schemeClr val="tx1"/>
+                </a:solidFill>
+              </a:rPr>
               <a:t>o=- 222102017657494456 3 IN IP4 127.0.0.1</a:t>
             </a:r>
           </a:p>
@@ -9002,7 +9716,11 @@
               <a:buNone/>
             </a:pPr>
             <a:r>
-              <a:rPr lang="ro-RO" sz="2000" dirty="0"/>
+              <a:rPr lang="ro-RO" sz="2000" dirty="0">
+                <a:solidFill>
+                  <a:schemeClr val="tx1"/>
+                </a:solidFill>
+              </a:rPr>
               <a:t>s=-</a:t>
             </a:r>
           </a:p>
@@ -9011,7 +9729,11 @@
               <a:buNone/>
             </a:pPr>
             <a:r>
-              <a:rPr lang="ro-RO" sz="2000" dirty="0"/>
+              <a:rPr lang="ro-RO" sz="2000" dirty="0">
+                <a:solidFill>
+                  <a:schemeClr val="tx1"/>
+                </a:solidFill>
+              </a:rPr>
               <a:t>t=0 0</a:t>
             </a:r>
           </a:p>
@@ -9020,7 +9742,11 @@
               <a:buNone/>
             </a:pPr>
             <a:r>
-              <a:rPr lang="ro-RO" sz="2000" dirty="0"/>
+              <a:rPr lang="ro-RO" sz="2000" dirty="0">
+                <a:solidFill>
+                  <a:schemeClr val="tx1"/>
+                </a:solidFill>
+              </a:rPr>
               <a:t>a=group:BUNDLE audio video data</a:t>
             </a:r>
           </a:p>
@@ -9029,7 +9755,11 @@
               <a:buNone/>
             </a:pPr>
             <a:r>
-              <a:rPr lang="ro-RO" sz="2000" dirty="0"/>
+              <a:rPr lang="ro-RO" sz="2000" dirty="0">
+                <a:solidFill>
+                  <a:schemeClr val="tx1"/>
+                </a:solidFill>
+              </a:rPr>
               <a:t>a=msid-semantic: WMS W0n7COXd5Olue6nSuvGjlEzUVwf8DbNB0DcL</a:t>
             </a:r>
           </a:p>
@@ -9038,7 +9768,11 @@
               <a:buNone/>
             </a:pPr>
             <a:r>
-              <a:rPr lang="ro-RO" sz="2000" dirty="0"/>
+              <a:rPr lang="ro-RO" sz="2000" dirty="0">
+                <a:solidFill>
+                  <a:schemeClr val="tx1"/>
+                </a:solidFill>
+              </a:rPr>
               <a:t>m=audio 9 UDP/TLS/RTP/SAVPF 111 103 104 9 0 8 106 105 13 126</a:t>
             </a:r>
           </a:p>
@@ -9047,7 +9781,11 @@
               <a:buNone/>
             </a:pPr>
             <a:r>
-              <a:rPr lang="ro-RO" sz="2000" dirty="0"/>
+              <a:rPr lang="ro-RO" sz="2000" dirty="0">
+                <a:solidFill>
+                  <a:schemeClr val="tx1"/>
+                </a:solidFill>
+              </a:rPr>
               <a:t>c=IN IP4 0.0.0.0</a:t>
             </a:r>
           </a:p>
@@ -9106,20 +9844,28 @@
           <a:lstStyle/>
           <a:p>
             <a:r>
-              <a:rPr lang="en-US" dirty="0" err="1">
-                <a:solidFill>
-                  <a:schemeClr val="tx1"/>
-                </a:solidFill>
-              </a:rPr>
-              <a:t>Pasii</a:t>
-            </a:r>
-            <a:r>
-              <a:rPr lang="en-US" dirty="0">
-                <a:solidFill>
-                  <a:schemeClr val="tx1"/>
-                </a:solidFill>
-              </a:rPr>
-              <a:t> </a:t>
+              <a:rPr lang="en-US" dirty="0" smtClean="0">
+                <a:solidFill>
+                  <a:schemeClr val="tx1"/>
+                </a:solidFill>
+              </a:rPr>
+              <a:t>Pa</a:t>
+            </a:r>
+            <a:r>
+              <a:rPr lang="ro-RO" dirty="0" smtClean="0">
+                <a:solidFill>
+                  <a:schemeClr val="tx1"/>
+                </a:solidFill>
+              </a:rPr>
+              <a:t>ș</a:t>
+            </a:r>
+            <a:r>
+              <a:rPr lang="en-US" dirty="0" smtClean="0">
+                <a:solidFill>
+                  <a:schemeClr val="tx1"/>
+                </a:solidFill>
+              </a:rPr>
+              <a:t>ii </a:t>
             </a:r>
             <a:r>
               <a:rPr lang="en-US" dirty="0" err="1">
@@ -9181,42 +9927,106 @@
           <a:lstStyle/>
           <a:p>
             <a:r>
-              <a:rPr lang="en-US" dirty="0" err="1" smtClean="0"/>
+              <a:rPr lang="en-US" dirty="0" err="1" smtClean="0">
+                <a:solidFill>
+                  <a:schemeClr val="tx1"/>
+                </a:solidFill>
+              </a:rPr>
               <a:t>Conexiunea</a:t>
             </a:r>
             <a:r>
-              <a:rPr lang="en-US" dirty="0" smtClean="0"/>
+              <a:rPr lang="en-US" dirty="0" smtClean="0">
+                <a:solidFill>
+                  <a:schemeClr val="tx1"/>
+                </a:solidFill>
+              </a:rPr>
               <a:t> </a:t>
             </a:r>
             <a:r>
-              <a:rPr lang="en-US" dirty="0" err="1" smtClean="0"/>
-              <a:t>intre</a:t>
-            </a:r>
-            <a:r>
-              <a:rPr lang="en-US" dirty="0" smtClean="0"/>
+              <a:rPr lang="ro-RO" dirty="0" smtClean="0">
+                <a:solidFill>
+                  <a:schemeClr val="tx1"/>
+                </a:solidFill>
+              </a:rPr>
+              <a:t>î</a:t>
+            </a:r>
+            <a:r>
+              <a:rPr lang="en-US" dirty="0" err="1" smtClean="0">
+                <a:solidFill>
+                  <a:schemeClr val="tx1"/>
+                </a:solidFill>
+              </a:rPr>
+              <a:t>ntre</a:t>
+            </a:r>
+            <a:r>
+              <a:rPr lang="en-US" dirty="0" smtClean="0">
+                <a:solidFill>
+                  <a:schemeClr val="tx1"/>
+                </a:solidFill>
+              </a:rPr>
               <a:t> </a:t>
             </a:r>
             <a:r>
-              <a:rPr lang="en-US" dirty="0" err="1" smtClean="0"/>
+              <a:rPr lang="en-US" dirty="0" err="1" smtClean="0">
+                <a:solidFill>
+                  <a:schemeClr val="tx1"/>
+                </a:solidFill>
+              </a:rPr>
               <a:t>utilizatori</a:t>
             </a:r>
             <a:r>
-              <a:rPr lang="en-US" dirty="0" smtClean="0"/>
+              <a:rPr lang="en-US" dirty="0" smtClean="0">
+                <a:solidFill>
+                  <a:schemeClr val="tx1"/>
+                </a:solidFill>
+              </a:rPr>
               <a:t> </a:t>
             </a:r>
             <a:r>
-              <a:rPr lang="en-US" dirty="0" err="1" smtClean="0"/>
+              <a:rPr lang="en-US" dirty="0" err="1" smtClean="0">
+                <a:solidFill>
+                  <a:schemeClr val="tx1"/>
+                </a:solidFill>
+              </a:rPr>
               <a:t>folosind</a:t>
             </a:r>
             <a:r>
-              <a:rPr lang="en-US" dirty="0" smtClean="0"/>
+              <a:rPr lang="en-US" dirty="0" smtClean="0">
+                <a:solidFill>
+                  <a:schemeClr val="tx1"/>
+                </a:solidFill>
+              </a:rPr>
               <a:t> </a:t>
             </a:r>
             <a:r>
-              <a:rPr lang="en-US" dirty="0" err="1" smtClean="0"/>
-              <a:t>aplicatia</a:t>
-            </a:r>
-            <a:endParaRPr lang="ro-RO" dirty="0"/>
+              <a:rPr lang="en-US" dirty="0" err="1" smtClean="0">
+                <a:solidFill>
+                  <a:schemeClr val="tx1"/>
+                </a:solidFill>
+              </a:rPr>
+              <a:t>aplica</a:t>
+            </a:r>
+            <a:r>
+              <a:rPr lang="ro-RO" dirty="0" smtClean="0">
+                <a:solidFill>
+                  <a:schemeClr val="tx1"/>
+                </a:solidFill>
+              </a:rPr>
+              <a:t>ț</a:t>
+            </a:r>
+            <a:r>
+              <a:rPr lang="en-US" dirty="0" err="1" smtClean="0">
+                <a:solidFill>
+                  <a:schemeClr val="tx1"/>
+                </a:solidFill>
+              </a:rPr>
+              <a:t>ia</a:t>
+            </a:r>
+            <a:endParaRPr lang="ro-RO" dirty="0">
+              <a:solidFill>
+                <a:schemeClr val="tx1"/>
+              </a:solidFill>
+            </a:endParaRPr>
           </a:p>
         </p:txBody>
       </p:sp>
@@ -9485,7 +10295,23 @@
                   <a:schemeClr val="tx1"/>
                 </a:solidFill>
               </a:rPr>
-              <a:t>aplicatie</a:t>
+              <a:t>aplica</a:t>
+            </a:r>
+            <a:r>
+              <a:rPr lang="ro-RO" dirty="0" smtClean="0">
+                <a:solidFill>
+                  <a:schemeClr val="tx1"/>
+                </a:solidFill>
+              </a:rPr>
+              <a:t>ț</a:t>
+            </a:r>
+            <a:r>
+              <a:rPr lang="en-US" dirty="0" err="1" smtClean="0">
+                <a:solidFill>
+                  <a:schemeClr val="tx1"/>
+                </a:solidFill>
+              </a:rPr>
+              <a:t>ie</a:t>
             </a:r>
             <a:endParaRPr lang="en-US" dirty="0" smtClean="0">
               <a:solidFill>
@@ -9526,20 +10352,28 @@
           </a:p>
           <a:p>
             <a:r>
-              <a:rPr lang="en-US" dirty="0" err="1" smtClean="0">
-                <a:solidFill>
-                  <a:schemeClr val="tx1"/>
-                </a:solidFill>
-              </a:rPr>
-              <a:t>Pasii</a:t>
-            </a:r>
-            <a:r>
-              <a:rPr lang="en-US" dirty="0" smtClean="0">
-                <a:solidFill>
-                  <a:schemeClr val="tx1"/>
-                </a:solidFill>
-              </a:rPr>
-              <a:t> </a:t>
+              <a:rPr lang="en-US" dirty="0" smtClean="0">
+                <a:solidFill>
+                  <a:schemeClr val="tx1"/>
+                </a:solidFill>
+              </a:rPr>
+              <a:t>Pa</a:t>
+            </a:r>
+            <a:r>
+              <a:rPr lang="ro-RO" dirty="0" smtClean="0">
+                <a:solidFill>
+                  <a:schemeClr val="tx1"/>
+                </a:solidFill>
+              </a:rPr>
+              <a:t>ș</a:t>
+            </a:r>
+            <a:r>
+              <a:rPr lang="en-US" dirty="0" smtClean="0">
+                <a:solidFill>
+                  <a:schemeClr val="tx1"/>
+                </a:solidFill>
+              </a:rPr>
+              <a:t>ii </a:t>
             </a:r>
             <a:r>
               <a:rPr lang="en-US" dirty="0" err="1" smtClean="0">
@@ -9628,7 +10462,23 @@
                   <a:schemeClr val="tx1"/>
                 </a:solidFill>
               </a:rPr>
-              <a:t>Intrebari</a:t>
+              <a:t>Intreb</a:t>
+            </a:r>
+            <a:r>
+              <a:rPr lang="ro-RO" dirty="0" smtClean="0">
+                <a:solidFill>
+                  <a:schemeClr val="tx1"/>
+                </a:solidFill>
+              </a:rPr>
+              <a:t>ă</a:t>
+            </a:r>
+            <a:r>
+              <a:rPr lang="en-US" dirty="0" err="1" smtClean="0">
+                <a:solidFill>
+                  <a:schemeClr val="tx1"/>
+                </a:solidFill>
+              </a:rPr>
+              <a:t>ri</a:t>
             </a:r>
             <a:endParaRPr lang="en-US" dirty="0">
               <a:solidFill>
@@ -9737,56 +10587,128 @@
           <a:lstStyle/>
           <a:p>
             <a:r>
-              <a:rPr lang="en-US" dirty="0" smtClean="0"/>
+              <a:rPr lang="en-US" dirty="0" smtClean="0">
+                <a:solidFill>
+                  <a:schemeClr val="tx1"/>
+                </a:solidFill>
+              </a:rPr>
               <a:t>Smoke testing</a:t>
             </a:r>
           </a:p>
           <a:p>
             <a:pPr lvl="1"/>
             <a:r>
-              <a:rPr lang="en-US" dirty="0" err="1" smtClean="0"/>
-              <a:t>Inregistrare</a:t>
-            </a:r>
-            <a:endParaRPr lang="en-US" dirty="0" smtClean="0"/>
+              <a:rPr lang="ro-RO" dirty="0">
+                <a:solidFill>
+                  <a:schemeClr val="tx1"/>
+                </a:solidFill>
+              </a:rPr>
+              <a:t>Î</a:t>
+            </a:r>
+            <a:r>
+              <a:rPr lang="en-US" dirty="0" err="1" smtClean="0">
+                <a:solidFill>
+                  <a:schemeClr val="tx1"/>
+                </a:solidFill>
+              </a:rPr>
+              <a:t>nregistrare</a:t>
+            </a:r>
+            <a:endParaRPr lang="en-US" dirty="0" smtClean="0">
+              <a:solidFill>
+                <a:schemeClr val="tx1"/>
+              </a:solidFill>
+            </a:endParaRPr>
           </a:p>
           <a:p>
             <a:pPr lvl="1"/>
             <a:r>
-              <a:rPr lang="en-US" dirty="0" smtClean="0"/>
+              <a:rPr lang="en-US" dirty="0" smtClean="0">
+                <a:solidFill>
+                  <a:schemeClr val="tx1"/>
+                </a:solidFill>
+              </a:rPr>
               <a:t>Login/Logout</a:t>
             </a:r>
           </a:p>
           <a:p>
             <a:pPr lvl="1"/>
             <a:r>
-              <a:rPr lang="en-US" dirty="0" err="1" smtClean="0"/>
-              <a:t>Adaugare</a:t>
-            </a:r>
-            <a:r>
-              <a:rPr lang="en-US" dirty="0" smtClean="0"/>
+              <a:rPr lang="en-US" dirty="0" smtClean="0">
+                <a:solidFill>
+                  <a:schemeClr val="tx1"/>
+                </a:solidFill>
+              </a:rPr>
+              <a:t>Ad</a:t>
+            </a:r>
+            <a:r>
+              <a:rPr lang="ro-RO" dirty="0" smtClean="0">
+                <a:solidFill>
+                  <a:schemeClr val="tx1"/>
+                </a:solidFill>
+              </a:rPr>
+              <a:t>ă</a:t>
+            </a:r>
+            <a:r>
+              <a:rPr lang="en-US" dirty="0" err="1" smtClean="0">
+                <a:solidFill>
+                  <a:schemeClr val="tx1"/>
+                </a:solidFill>
+              </a:rPr>
+              <a:t>ugare</a:t>
+            </a:r>
+            <a:r>
+              <a:rPr lang="en-US" dirty="0" smtClean="0">
+                <a:solidFill>
+                  <a:schemeClr val="tx1"/>
+                </a:solidFill>
+              </a:rPr>
               <a:t> </a:t>
             </a:r>
             <a:r>
-              <a:rPr lang="en-US" dirty="0" err="1" smtClean="0"/>
+              <a:rPr lang="en-US" dirty="0" err="1" smtClean="0">
+                <a:solidFill>
+                  <a:schemeClr val="tx1"/>
+                </a:solidFill>
+              </a:rPr>
               <a:t>prieteni</a:t>
             </a:r>
-            <a:endParaRPr lang="en-US" dirty="0" smtClean="0"/>
+            <a:endParaRPr lang="en-US" dirty="0" smtClean="0">
+              <a:solidFill>
+                <a:schemeClr val="tx1"/>
+              </a:solidFill>
+            </a:endParaRPr>
           </a:p>
           <a:p>
             <a:pPr lvl="1"/>
             <a:r>
-              <a:rPr lang="en-US" dirty="0" err="1" smtClean="0"/>
+              <a:rPr lang="en-US" dirty="0" err="1" smtClean="0">
+                <a:solidFill>
+                  <a:schemeClr val="tx1"/>
+                </a:solidFill>
+              </a:rPr>
               <a:t>Conectare</a:t>
             </a:r>
             <a:r>
-              <a:rPr lang="en-US" dirty="0" smtClean="0"/>
+              <a:rPr lang="en-US" dirty="0" smtClean="0">
+                <a:solidFill>
+                  <a:schemeClr val="tx1"/>
+                </a:solidFill>
+              </a:rPr>
               <a:t> cu </a:t>
             </a:r>
             <a:r>
-              <a:rPr lang="en-US" dirty="0" err="1" smtClean="0"/>
+              <a:rPr lang="en-US" dirty="0" err="1" smtClean="0">
+                <a:solidFill>
+                  <a:schemeClr val="tx1"/>
+                </a:solidFill>
+              </a:rPr>
               <a:t>prieteni</a:t>
             </a:r>
-            <a:endParaRPr lang="ro-RO" dirty="0"/>
+            <a:endParaRPr lang="ro-RO" dirty="0">
+              <a:solidFill>
+                <a:schemeClr val="tx1"/>
+              </a:solidFill>
+            </a:endParaRPr>
           </a:p>
         </p:txBody>
       </p:sp>
@@ -9868,14 +10790,58 @@
           <a:lstStyle/>
           <a:p>
             <a:r>
-              <a:rPr lang="en-US" dirty="0" err="1" smtClean="0"/>
+              <a:rPr lang="en-US" dirty="0" err="1" smtClean="0">
+                <a:solidFill>
+                  <a:schemeClr val="tx1"/>
+                </a:solidFill>
+              </a:rPr>
               <a:t>Exemplu</a:t>
             </a:r>
             <a:r>
-              <a:rPr lang="en-US" dirty="0" smtClean="0"/>
-              <a:t> de scenario de test</a:t>
-            </a:r>
-            <a:endParaRPr lang="ro-RO" dirty="0"/>
+              <a:rPr lang="en-US" dirty="0" smtClean="0">
+                <a:solidFill>
+                  <a:schemeClr val="tx1"/>
+                </a:solidFill>
+              </a:rPr>
+              <a:t> de </a:t>
+            </a:r>
+            <a:r>
+              <a:rPr lang="en-US" dirty="0" err="1" smtClean="0">
+                <a:solidFill>
+                  <a:schemeClr val="tx1"/>
+                </a:solidFill>
+              </a:rPr>
+              <a:t>scenari</a:t>
+            </a:r>
+            <a:r>
+              <a:rPr lang="ro-RO" dirty="0" smtClean="0">
+                <a:solidFill>
+                  <a:schemeClr val="tx1"/>
+                </a:solidFill>
+              </a:rPr>
+              <a:t>u</a:t>
+            </a:r>
+            <a:r>
+              <a:rPr lang="en-US" dirty="0" smtClean="0">
+                <a:solidFill>
+                  <a:schemeClr val="tx1"/>
+                </a:solidFill>
+              </a:rPr>
+              <a:t> </a:t>
+            </a:r>
+            <a:r>
+              <a:rPr lang="en-US" dirty="0" smtClean="0">
+                <a:solidFill>
+                  <a:schemeClr val="tx1"/>
+                </a:solidFill>
+              </a:rPr>
+              <a:t>de test</a:t>
+            </a:r>
+            <a:endParaRPr lang="ro-RO" dirty="0">
+              <a:solidFill>
+                <a:schemeClr val="tx1"/>
+              </a:solidFill>
+            </a:endParaRPr>
           </a:p>
         </p:txBody>
       </p:sp>
@@ -12327,7 +13293,23 @@
                   <a:schemeClr val="tx1"/>
                 </a:solidFill>
               </a:rPr>
-              <a:t>aplicatie</a:t>
+              <a:t>aplica</a:t>
+            </a:r>
+            <a:r>
+              <a:rPr lang="ro-RO" dirty="0">
+                <a:solidFill>
+                  <a:schemeClr val="tx1"/>
+                </a:solidFill>
+              </a:rPr>
+              <a:t>ț</a:t>
+            </a:r>
+            <a:r>
+              <a:rPr lang="en-US" dirty="0" err="1" smtClean="0">
+                <a:solidFill>
+                  <a:schemeClr val="tx1"/>
+                </a:solidFill>
+              </a:rPr>
+              <a:t>ie</a:t>
             </a:r>
             <a:endParaRPr lang="en-US" dirty="0" smtClean="0">
               <a:solidFill>
@@ -12368,20 +13350,28 @@
           </a:p>
           <a:p>
             <a:r>
-              <a:rPr lang="en-US" dirty="0" err="1" smtClean="0">
-                <a:solidFill>
-                  <a:schemeClr val="tx1"/>
-                </a:solidFill>
-              </a:rPr>
-              <a:t>Pasii</a:t>
-            </a:r>
-            <a:r>
-              <a:rPr lang="en-US" dirty="0" smtClean="0">
-                <a:solidFill>
-                  <a:schemeClr val="tx1"/>
-                </a:solidFill>
-              </a:rPr>
-              <a:t> </a:t>
+              <a:rPr lang="en-US" dirty="0" smtClean="0">
+                <a:solidFill>
+                  <a:schemeClr val="tx1"/>
+                </a:solidFill>
+              </a:rPr>
+              <a:t>Pa</a:t>
+            </a:r>
+            <a:r>
+              <a:rPr lang="ro-RO" dirty="0" smtClean="0">
+                <a:solidFill>
+                  <a:schemeClr val="tx1"/>
+                </a:solidFill>
+              </a:rPr>
+              <a:t>ș</a:t>
+            </a:r>
+            <a:r>
+              <a:rPr lang="en-US" dirty="0" smtClean="0">
+                <a:solidFill>
+                  <a:schemeClr val="tx1"/>
+                </a:solidFill>
+              </a:rPr>
+              <a:t>ii </a:t>
             </a:r>
             <a:r>
               <a:rPr lang="en-US" dirty="0" err="1" smtClean="0">
@@ -12470,7 +13460,23 @@
                   <a:schemeClr val="tx1"/>
                 </a:solidFill>
               </a:rPr>
-              <a:t>Intrebari</a:t>
+              <a:t>Intreb</a:t>
+            </a:r>
+            <a:r>
+              <a:rPr lang="ro-RO" dirty="0" smtClean="0">
+                <a:solidFill>
+                  <a:schemeClr val="tx1"/>
+                </a:solidFill>
+              </a:rPr>
+              <a:t>ă</a:t>
+            </a:r>
+            <a:r>
+              <a:rPr lang="en-US" dirty="0" err="1" smtClean="0">
+                <a:solidFill>
+                  <a:schemeClr val="tx1"/>
+                </a:solidFill>
+              </a:rPr>
+              <a:t>ri</a:t>
             </a:r>
             <a:endParaRPr lang="en-US" dirty="0">
               <a:solidFill>
@@ -12579,70 +13585,178 @@
           <a:lstStyle/>
           <a:p>
             <a:r>
-              <a:rPr lang="en-US" dirty="0" smtClean="0"/>
+              <a:rPr lang="en-US" dirty="0" smtClean="0">
+                <a:solidFill>
+                  <a:schemeClr val="tx1"/>
+                </a:solidFill>
+              </a:rPr>
               <a:t>Peer-to-peer</a:t>
             </a:r>
           </a:p>
           <a:p>
             <a:r>
-              <a:rPr lang="en-US" dirty="0" err="1" smtClean="0"/>
-              <a:t>Fara</a:t>
-            </a:r>
-            <a:r>
-              <a:rPr lang="en-US" dirty="0" smtClean="0"/>
+              <a:rPr lang="en-US" dirty="0" smtClean="0">
+                <a:solidFill>
+                  <a:schemeClr val="tx1"/>
+                </a:solidFill>
+              </a:rPr>
+              <a:t>F</a:t>
+            </a:r>
+            <a:r>
+              <a:rPr lang="ro-RO" dirty="0" smtClean="0">
+                <a:solidFill>
+                  <a:schemeClr val="tx1"/>
+                </a:solidFill>
+              </a:rPr>
+              <a:t>ă</a:t>
+            </a:r>
+            <a:r>
+              <a:rPr lang="en-US" dirty="0" smtClean="0">
+                <a:solidFill>
+                  <a:schemeClr val="tx1"/>
+                </a:solidFill>
+              </a:rPr>
+              <a:t>r</a:t>
+            </a:r>
+            <a:r>
+              <a:rPr lang="ro-RO" dirty="0" smtClean="0">
+                <a:solidFill>
+                  <a:schemeClr val="tx1"/>
+                </a:solidFill>
+              </a:rPr>
+              <a:t>ă</a:t>
+            </a:r>
+            <a:r>
+              <a:rPr lang="en-US" dirty="0" smtClean="0">
+                <a:solidFill>
+                  <a:schemeClr val="tx1"/>
+                </a:solidFill>
+              </a:rPr>
               <a:t> </a:t>
             </a:r>
             <a:r>
-              <a:rPr lang="en-US" dirty="0" err="1" smtClean="0"/>
+              <a:rPr lang="en-US" dirty="0" err="1" smtClean="0">
+                <a:solidFill>
+                  <a:schemeClr val="tx1"/>
+                </a:solidFill>
+              </a:rPr>
               <a:t>pluginuri</a:t>
             </a:r>
-            <a:endParaRPr lang="en-US" dirty="0" smtClean="0"/>
-          </a:p>
-          <a:p>
-            <a:r>
-              <a:rPr lang="en-US" dirty="0" err="1" smtClean="0"/>
+            <a:endParaRPr lang="en-US" dirty="0" smtClean="0">
+              <a:solidFill>
+                <a:schemeClr val="tx1"/>
+              </a:solidFill>
+            </a:endParaRPr>
+          </a:p>
+          <a:p>
+            <a:r>
+              <a:rPr lang="en-US" dirty="0" err="1" smtClean="0">
+                <a:solidFill>
+                  <a:schemeClr val="tx1"/>
+                </a:solidFill>
+              </a:rPr>
               <a:t>Mecanism</a:t>
             </a:r>
             <a:r>
-              <a:rPr lang="en-US" dirty="0" smtClean="0"/>
+              <a:rPr lang="en-US" dirty="0" smtClean="0">
+                <a:solidFill>
+                  <a:schemeClr val="tx1"/>
+                </a:solidFill>
+              </a:rPr>
               <a:t> de </a:t>
             </a:r>
             <a:r>
-              <a:rPr lang="en-US" dirty="0" err="1" smtClean="0"/>
+              <a:rPr lang="en-US" dirty="0" err="1" smtClean="0">
+                <a:solidFill>
+                  <a:schemeClr val="tx1"/>
+                </a:solidFill>
+              </a:rPr>
               <a:t>semnalare</a:t>
             </a:r>
             <a:r>
-              <a:rPr lang="en-US" dirty="0" smtClean="0"/>
+              <a:rPr lang="en-US" dirty="0" smtClean="0">
+                <a:solidFill>
+                  <a:schemeClr val="tx1"/>
+                </a:solidFill>
+              </a:rPr>
               <a:t> </a:t>
             </a:r>
             <a:r>
-              <a:rPr lang="en-US" dirty="0" err="1" smtClean="0"/>
+              <a:rPr lang="en-US" dirty="0" err="1" smtClean="0">
+                <a:solidFill>
+                  <a:schemeClr val="tx1"/>
+                </a:solidFill>
+              </a:rPr>
               <a:t>proprie</a:t>
             </a:r>
-            <a:endParaRPr lang="en-US" dirty="0" smtClean="0"/>
-          </a:p>
-          <a:p>
-            <a:r>
-              <a:rPr lang="en-US" dirty="0" err="1" smtClean="0"/>
+            <a:endParaRPr lang="en-US" dirty="0" smtClean="0">
+              <a:solidFill>
+                <a:schemeClr val="tx1"/>
+              </a:solidFill>
+            </a:endParaRPr>
+          </a:p>
+          <a:p>
+            <a:r>
+              <a:rPr lang="en-US" dirty="0" err="1" smtClean="0">
+                <a:solidFill>
+                  <a:schemeClr val="tx1"/>
+                </a:solidFill>
+              </a:rPr>
               <a:t>Implementat</a:t>
             </a:r>
             <a:r>
-              <a:rPr lang="en-US" dirty="0" smtClean="0"/>
-              <a:t> in </a:t>
-            </a:r>
-            <a:r>
-              <a:rPr lang="en-US" dirty="0" err="1" smtClean="0"/>
+              <a:rPr lang="en-US" dirty="0" smtClean="0">
+                <a:solidFill>
+                  <a:schemeClr val="tx1"/>
+                </a:solidFill>
+              </a:rPr>
+              <a:t> </a:t>
+            </a:r>
+            <a:r>
+              <a:rPr lang="ro-RO" dirty="0" smtClean="0">
+                <a:solidFill>
+                  <a:schemeClr val="tx1"/>
+                </a:solidFill>
+              </a:rPr>
+              <a:t>î</a:t>
+            </a:r>
+            <a:r>
+              <a:rPr lang="en-US" dirty="0" smtClean="0">
+                <a:solidFill>
+                  <a:schemeClr val="tx1"/>
+                </a:solidFill>
+              </a:rPr>
+              <a:t>n </a:t>
+            </a:r>
+            <a:r>
+              <a:rPr lang="en-US" dirty="0" err="1" smtClean="0">
+                <a:solidFill>
+                  <a:schemeClr val="tx1"/>
+                </a:solidFill>
+              </a:rPr>
               <a:t>majoritatea</a:t>
             </a:r>
             <a:r>
-              <a:rPr lang="en-US" dirty="0" smtClean="0"/>
+              <a:rPr lang="en-US" dirty="0" smtClean="0">
+                <a:solidFill>
+                  <a:schemeClr val="tx1"/>
+                </a:solidFill>
+              </a:rPr>
               <a:t> </a:t>
             </a:r>
             <a:r>
-              <a:rPr lang="en-US" dirty="0" err="1" smtClean="0"/>
+              <a:rPr lang="en-US" dirty="0" err="1" smtClean="0">
+                <a:solidFill>
+                  <a:schemeClr val="tx1"/>
+                </a:solidFill>
+              </a:rPr>
               <a:t>browserelor</a:t>
             </a:r>
-            <a:endParaRPr lang="en-US" dirty="0" smtClean="0"/>
+            <a:endParaRPr lang="en-US" dirty="0" smtClean="0">
+              <a:solidFill>
+                <a:schemeClr val="tx1"/>
+              </a:solidFill>
+            </a:endParaRPr>
           </a:p>
           <a:p>
             <a:endParaRPr lang="ro-RO" dirty="0"/>
@@ -13246,7 +14360,23 @@
                   <a:schemeClr val="tx1"/>
                 </a:solidFill>
               </a:rPr>
-              <a:t>aplicatie</a:t>
+              <a:t>aplica</a:t>
+            </a:r>
+            <a:r>
+              <a:rPr lang="ro-RO" dirty="0" smtClean="0">
+                <a:solidFill>
+                  <a:schemeClr val="tx1"/>
+                </a:solidFill>
+              </a:rPr>
+              <a:t>ț</a:t>
+            </a:r>
+            <a:r>
+              <a:rPr lang="en-US" dirty="0" err="1" smtClean="0">
+                <a:solidFill>
+                  <a:schemeClr val="tx1"/>
+                </a:solidFill>
+              </a:rPr>
+              <a:t>ie</a:t>
             </a:r>
             <a:endParaRPr lang="en-US" dirty="0" smtClean="0">
               <a:solidFill>
@@ -13287,20 +14417,28 @@
           </a:p>
           <a:p>
             <a:r>
-              <a:rPr lang="en-US" dirty="0" err="1" smtClean="0">
-                <a:solidFill>
-                  <a:schemeClr val="tx1"/>
-                </a:solidFill>
-              </a:rPr>
-              <a:t>Pasii</a:t>
-            </a:r>
-            <a:r>
-              <a:rPr lang="en-US" dirty="0" smtClean="0">
-                <a:solidFill>
-                  <a:schemeClr val="tx1"/>
-                </a:solidFill>
-              </a:rPr>
-              <a:t> </a:t>
+              <a:rPr lang="en-US" dirty="0" smtClean="0">
+                <a:solidFill>
+                  <a:schemeClr val="tx1"/>
+                </a:solidFill>
+              </a:rPr>
+              <a:t>Pa</a:t>
+            </a:r>
+            <a:r>
+              <a:rPr lang="ro-RO" dirty="0" smtClean="0">
+                <a:solidFill>
+                  <a:schemeClr val="tx1"/>
+                </a:solidFill>
+              </a:rPr>
+              <a:t>ș</a:t>
+            </a:r>
+            <a:r>
+              <a:rPr lang="en-US" dirty="0" smtClean="0">
+                <a:solidFill>
+                  <a:schemeClr val="tx1"/>
+                </a:solidFill>
+              </a:rPr>
+              <a:t>ii </a:t>
             </a:r>
             <a:r>
               <a:rPr lang="en-US" dirty="0" err="1" smtClean="0">
@@ -13385,7 +14523,23 @@
                   <a:schemeClr val="tx1"/>
                 </a:solidFill>
               </a:rPr>
-              <a:t>Intrebari</a:t>
+              <a:t>Intreb</a:t>
+            </a:r>
+            <a:r>
+              <a:rPr lang="ro-RO" dirty="0" smtClean="0">
+                <a:solidFill>
+                  <a:schemeClr val="tx1"/>
+                </a:solidFill>
+              </a:rPr>
+              <a:t>ă</a:t>
+            </a:r>
+            <a:r>
+              <a:rPr lang="en-US" dirty="0" err="1" smtClean="0">
+                <a:solidFill>
+                  <a:schemeClr val="tx1"/>
+                </a:solidFill>
+              </a:rPr>
+              <a:t>ri</a:t>
             </a:r>
             <a:endParaRPr lang="en-US" dirty="0">
               <a:solidFill>
@@ -13453,7 +14607,23 @@
                   <a:schemeClr val="tx1"/>
                 </a:solidFill>
               </a:rPr>
-              <a:t>Multumesc</a:t>
+              <a:t>Mul</a:t>
+            </a:r>
+            <a:r>
+              <a:rPr lang="ro-RO" dirty="0" smtClean="0">
+                <a:solidFill>
+                  <a:schemeClr val="tx1"/>
+                </a:solidFill>
+              </a:rPr>
+              <a:t>ț</a:t>
+            </a:r>
+            <a:r>
+              <a:rPr lang="en-US" dirty="0" err="1" smtClean="0">
+                <a:solidFill>
+                  <a:schemeClr val="tx1"/>
+                </a:solidFill>
+              </a:rPr>
+              <a:t>umesc</a:t>
             </a:r>
             <a:r>
               <a:rPr lang="en-US" dirty="0" smtClean="0">
@@ -13638,138 +14808,370 @@
           <a:lstStyle/>
           <a:p>
             <a:r>
-              <a:rPr lang="en-US" dirty="0" smtClean="0"/>
+              <a:rPr lang="en-US" dirty="0" smtClean="0">
+                <a:solidFill>
+                  <a:schemeClr val="tx1"/>
+                </a:solidFill>
+              </a:rPr>
               <a:t>RTC: </a:t>
             </a:r>
           </a:p>
           <a:p>
             <a:pPr lvl="1"/>
             <a:r>
-              <a:rPr lang="en-US" dirty="0" smtClean="0"/>
+              <a:rPr lang="en-US" dirty="0" smtClean="0">
+                <a:solidFill>
+                  <a:schemeClr val="tx1"/>
+                </a:solidFill>
+              </a:rPr>
               <a:t>Real Time Communication</a:t>
             </a:r>
-            <a:endParaRPr lang="en-US" dirty="0"/>
+            <a:endParaRPr lang="en-US" dirty="0">
+              <a:solidFill>
+                <a:schemeClr val="tx1"/>
+              </a:solidFill>
+            </a:endParaRPr>
           </a:p>
           <a:p>
             <a:pPr lvl="1"/>
             <a:r>
-              <a:rPr lang="en-US" dirty="0" err="1"/>
+              <a:rPr lang="en-US" dirty="0" err="1">
+                <a:solidFill>
+                  <a:schemeClr val="tx1"/>
+                </a:solidFill>
+              </a:rPr>
               <a:t>I</a:t>
             </a:r>
             <a:r>
-              <a:rPr lang="en-US" dirty="0" err="1" smtClean="0"/>
+              <a:rPr lang="en-US" dirty="0" err="1" smtClean="0">
+                <a:solidFill>
+                  <a:schemeClr val="tx1"/>
+                </a:solidFill>
+              </a:rPr>
               <a:t>nterschimbare</a:t>
             </a:r>
             <a:r>
-              <a:rPr lang="en-US" dirty="0" smtClean="0"/>
+              <a:rPr lang="en-US" dirty="0" smtClean="0">
+                <a:solidFill>
+                  <a:schemeClr val="tx1"/>
+                </a:solidFill>
+              </a:rPr>
               <a:t> de </a:t>
             </a:r>
             <a:r>
-              <a:rPr lang="en-US" dirty="0" err="1" smtClean="0"/>
-              <a:t>informatii</a:t>
-            </a:r>
-            <a:r>
-              <a:rPr lang="en-US" dirty="0" smtClean="0"/>
-              <a:t> in </a:t>
-            </a:r>
-            <a:r>
-              <a:rPr lang="en-US" dirty="0" err="1" smtClean="0"/>
+              <a:rPr lang="en-US" dirty="0" err="1" smtClean="0">
+                <a:solidFill>
+                  <a:schemeClr val="tx1"/>
+                </a:solidFill>
+              </a:rPr>
+              <a:t>informa</a:t>
+            </a:r>
+            <a:r>
+              <a:rPr lang="ro-RO" dirty="0" smtClean="0">
+                <a:solidFill>
+                  <a:schemeClr val="tx1"/>
+                </a:solidFill>
+              </a:rPr>
+              <a:t>ț</a:t>
+            </a:r>
+            <a:r>
+              <a:rPr lang="en-US" dirty="0" smtClean="0">
+                <a:solidFill>
+                  <a:schemeClr val="tx1"/>
+                </a:solidFill>
+              </a:rPr>
+              <a:t>ii </a:t>
+            </a:r>
+            <a:r>
+              <a:rPr lang="ro-RO" dirty="0" smtClean="0">
+                <a:solidFill>
+                  <a:schemeClr val="tx1"/>
+                </a:solidFill>
+              </a:rPr>
+              <a:t>î</a:t>
+            </a:r>
+            <a:r>
+              <a:rPr lang="en-US" dirty="0" smtClean="0">
+                <a:solidFill>
+                  <a:schemeClr val="tx1"/>
+                </a:solidFill>
+              </a:rPr>
+              <a:t>n </a:t>
+            </a:r>
+            <a:r>
+              <a:rPr lang="en-US" dirty="0" err="1" smtClean="0">
+                <a:solidFill>
+                  <a:schemeClr val="tx1"/>
+                </a:solidFill>
+              </a:rPr>
               <a:t>timp</a:t>
             </a:r>
             <a:r>
-              <a:rPr lang="en-US" dirty="0" smtClean="0"/>
+              <a:rPr lang="en-US" dirty="0" smtClean="0">
+                <a:solidFill>
+                  <a:schemeClr val="tx1"/>
+                </a:solidFill>
+              </a:rPr>
               <a:t> real</a:t>
             </a:r>
           </a:p>
           <a:p>
             <a:pPr lvl="1"/>
             <a:r>
-              <a:rPr lang="en-US" dirty="0" smtClean="0"/>
+              <a:rPr lang="en-US" dirty="0" smtClean="0">
+                <a:solidFill>
+                  <a:schemeClr val="tx1"/>
+                </a:solidFill>
+              </a:rPr>
               <a:t>Tip de </a:t>
             </a:r>
             <a:r>
-              <a:rPr lang="en-US" dirty="0" err="1" smtClean="0"/>
-              <a:t>informatii</a:t>
-            </a:r>
-            <a:r>
-              <a:rPr lang="en-US" dirty="0" smtClean="0"/>
+              <a:rPr lang="en-US" dirty="0" err="1" smtClean="0">
+                <a:solidFill>
+                  <a:schemeClr val="tx1"/>
+                </a:solidFill>
+              </a:rPr>
+              <a:t>informa</a:t>
+            </a:r>
+            <a:r>
+              <a:rPr lang="ro-RO" dirty="0" smtClean="0">
+                <a:solidFill>
+                  <a:schemeClr val="tx1"/>
+                </a:solidFill>
+              </a:rPr>
+              <a:t>ț</a:t>
+            </a:r>
+            <a:r>
+              <a:rPr lang="en-US" dirty="0" smtClean="0">
+                <a:solidFill>
+                  <a:schemeClr val="tx1"/>
+                </a:solidFill>
+              </a:rPr>
+              <a:t>ii</a:t>
+            </a:r>
+            <a:r>
+              <a:rPr lang="en-US" dirty="0" smtClean="0">
+                <a:solidFill>
+                  <a:schemeClr val="tx1"/>
+                </a:solidFill>
+              </a:rPr>
               <a:t>: multimedia, audio, text, </a:t>
             </a:r>
             <a:r>
-              <a:rPr lang="en-US" dirty="0" err="1" smtClean="0"/>
-              <a:t>biti</a:t>
-            </a:r>
-            <a:endParaRPr lang="en-US" dirty="0" smtClean="0"/>
-          </a:p>
-          <a:p>
-            <a:r>
-              <a:rPr lang="en-US" dirty="0" err="1" smtClean="0"/>
+              <a:rPr lang="en-US" dirty="0" smtClean="0">
+                <a:solidFill>
+                  <a:schemeClr val="tx1"/>
+                </a:solidFill>
+              </a:rPr>
+              <a:t>bi</a:t>
+            </a:r>
+            <a:r>
+              <a:rPr lang="ro-RO" dirty="0" smtClean="0">
+                <a:solidFill>
+                  <a:schemeClr val="tx1"/>
+                </a:solidFill>
+              </a:rPr>
+              <a:t>ț</a:t>
+            </a:r>
+            <a:r>
+              <a:rPr lang="en-US" dirty="0" err="1" smtClean="0">
+                <a:solidFill>
+                  <a:schemeClr val="tx1"/>
+                </a:solidFill>
+              </a:rPr>
+              <a:t>i</a:t>
+            </a:r>
+            <a:endParaRPr lang="en-US" dirty="0" smtClean="0">
+              <a:solidFill>
+                <a:schemeClr val="tx1"/>
+              </a:solidFill>
+            </a:endParaRPr>
+          </a:p>
+          <a:p>
+            <a:r>
+              <a:rPr lang="en-US" dirty="0" err="1" smtClean="0">
+                <a:solidFill>
+                  <a:schemeClr val="tx1"/>
+                </a:solidFill>
+              </a:rPr>
               <a:t>WebRTC</a:t>
             </a:r>
-            <a:endParaRPr lang="en-US" dirty="0" smtClean="0"/>
+            <a:endParaRPr lang="en-US" dirty="0" smtClean="0">
+              <a:solidFill>
+                <a:schemeClr val="tx1"/>
+              </a:solidFill>
+            </a:endParaRPr>
           </a:p>
           <a:p>
             <a:pPr lvl="1"/>
             <a:r>
-              <a:rPr lang="en-US" dirty="0" err="1" smtClean="0"/>
+              <a:rPr lang="en-US" dirty="0" err="1" smtClean="0">
+                <a:solidFill>
+                  <a:schemeClr val="tx1"/>
+                </a:solidFill>
+              </a:rPr>
               <a:t>Comunicare</a:t>
             </a:r>
             <a:r>
-              <a:rPr lang="en-US" dirty="0" smtClean="0"/>
-              <a:t> in </a:t>
-            </a:r>
-            <a:r>
-              <a:rPr lang="en-US" dirty="0" err="1" smtClean="0"/>
+              <a:rPr lang="en-US" dirty="0" smtClean="0">
+                <a:solidFill>
+                  <a:schemeClr val="tx1"/>
+                </a:solidFill>
+              </a:rPr>
+              <a:t> </a:t>
+            </a:r>
+            <a:r>
+              <a:rPr lang="ro-RO" dirty="0" smtClean="0">
+                <a:solidFill>
+                  <a:schemeClr val="tx1"/>
+                </a:solidFill>
+              </a:rPr>
+              <a:t>î</a:t>
+            </a:r>
+            <a:r>
+              <a:rPr lang="en-US" dirty="0" smtClean="0">
+                <a:solidFill>
+                  <a:schemeClr val="tx1"/>
+                </a:solidFill>
+              </a:rPr>
+              <a:t>n </a:t>
+            </a:r>
+            <a:r>
+              <a:rPr lang="en-US" dirty="0" err="1" smtClean="0">
+                <a:solidFill>
+                  <a:schemeClr val="tx1"/>
+                </a:solidFill>
+              </a:rPr>
               <a:t>timp</a:t>
             </a:r>
             <a:r>
-              <a:rPr lang="en-US" dirty="0" smtClean="0"/>
+              <a:rPr lang="en-US" dirty="0" smtClean="0">
+                <a:solidFill>
+                  <a:schemeClr val="tx1"/>
+                </a:solidFill>
+              </a:rPr>
               <a:t> real </a:t>
             </a:r>
             <a:r>
-              <a:rPr lang="en-US" dirty="0" err="1" smtClean="0"/>
+              <a:rPr lang="en-US" dirty="0" err="1" smtClean="0">
+                <a:solidFill>
+                  <a:schemeClr val="tx1"/>
+                </a:solidFill>
+              </a:rPr>
               <a:t>pe</a:t>
             </a:r>
             <a:r>
-              <a:rPr lang="en-US" dirty="0" smtClean="0"/>
+              <a:rPr lang="en-US" dirty="0" smtClean="0">
+                <a:solidFill>
+                  <a:schemeClr val="tx1"/>
+                </a:solidFill>
+              </a:rPr>
               <a:t> web</a:t>
             </a:r>
           </a:p>
           <a:p>
             <a:pPr lvl="1"/>
             <a:r>
-              <a:rPr lang="en-US" dirty="0" err="1" smtClean="0"/>
-              <a:t>Fara</a:t>
-            </a:r>
-            <a:r>
-              <a:rPr lang="en-US" dirty="0" smtClean="0"/>
+              <a:rPr lang="en-US" dirty="0" smtClean="0">
+                <a:solidFill>
+                  <a:schemeClr val="tx1"/>
+                </a:solidFill>
+              </a:rPr>
+              <a:t>F</a:t>
+            </a:r>
+            <a:r>
+              <a:rPr lang="ro-RO" dirty="0" smtClean="0">
+                <a:solidFill>
+                  <a:schemeClr val="tx1"/>
+                </a:solidFill>
+              </a:rPr>
+              <a:t>ă</a:t>
+            </a:r>
+            <a:r>
+              <a:rPr lang="en-US" dirty="0" smtClean="0">
+                <a:solidFill>
+                  <a:schemeClr val="tx1"/>
+                </a:solidFill>
+              </a:rPr>
+              <a:t>r</a:t>
+            </a:r>
+            <a:r>
+              <a:rPr lang="ro-RO" dirty="0" smtClean="0">
+                <a:solidFill>
+                  <a:schemeClr val="tx1"/>
+                </a:solidFill>
+              </a:rPr>
+              <a:t>ă</a:t>
+            </a:r>
+            <a:r>
+              <a:rPr lang="en-US" dirty="0" smtClean="0">
+                <a:solidFill>
+                  <a:schemeClr val="tx1"/>
+                </a:solidFill>
+              </a:rPr>
               <a:t> </a:t>
             </a:r>
             <a:r>
-              <a:rPr lang="en-US" dirty="0" err="1" smtClean="0"/>
+              <a:rPr lang="en-US" dirty="0" err="1" smtClean="0">
+                <a:solidFill>
+                  <a:schemeClr val="tx1"/>
+                </a:solidFill>
+              </a:rPr>
               <a:t>pluginuri</a:t>
             </a:r>
-            <a:endParaRPr lang="en-US" dirty="0" smtClean="0"/>
+            <a:endParaRPr lang="en-US" dirty="0" smtClean="0">
+              <a:solidFill>
+                <a:schemeClr val="tx1"/>
+              </a:solidFill>
+            </a:endParaRPr>
           </a:p>
           <a:p>
             <a:pPr lvl="1"/>
             <a:r>
-              <a:rPr lang="en-US" dirty="0" err="1" smtClean="0"/>
+              <a:rPr lang="en-US" dirty="0" err="1" smtClean="0">
+                <a:solidFill>
+                  <a:schemeClr val="tx1"/>
+                </a:solidFill>
+              </a:rPr>
               <a:t>Implementat</a:t>
             </a:r>
             <a:r>
-              <a:rPr lang="en-US" dirty="0"/>
+              <a:rPr lang="en-US" dirty="0">
+                <a:solidFill>
+                  <a:schemeClr val="tx1"/>
+                </a:solidFill>
+              </a:rPr>
               <a:t> </a:t>
             </a:r>
             <a:r>
-              <a:rPr lang="en-US" dirty="0" smtClean="0"/>
-              <a:t>in </a:t>
-            </a:r>
-            <a:r>
-              <a:rPr lang="en-US" dirty="0" err="1" smtClean="0"/>
+              <a:rPr lang="ro-RO" dirty="0" smtClean="0">
+                <a:solidFill>
+                  <a:schemeClr val="tx1"/>
+                </a:solidFill>
+              </a:rPr>
+              <a:t>î</a:t>
+            </a:r>
+            <a:r>
+              <a:rPr lang="en-US" dirty="0" smtClean="0">
+                <a:solidFill>
+                  <a:schemeClr val="tx1"/>
+                </a:solidFill>
+              </a:rPr>
+              <a:t>n </a:t>
+            </a:r>
+            <a:r>
+              <a:rPr lang="en-US" dirty="0" err="1" smtClean="0">
+                <a:solidFill>
+                  <a:schemeClr val="tx1"/>
+                </a:solidFill>
+              </a:rPr>
               <a:t>browsere</a:t>
             </a:r>
-            <a:endParaRPr lang="en-US" dirty="0"/>
+            <a:endParaRPr lang="en-US" dirty="0">
+              <a:solidFill>
+                <a:schemeClr val="tx1"/>
+              </a:solidFill>
+            </a:endParaRPr>
           </a:p>
         </p:txBody>
       </p:sp>
@@ -13972,37 +15374,69 @@
           <a:lstStyle/>
           <a:p>
             <a:r>
-              <a:rPr lang="en-US" dirty="0" err="1" smtClean="0"/>
+              <a:rPr lang="en-US" dirty="0" err="1" smtClean="0">
+                <a:solidFill>
+                  <a:schemeClr val="tx1"/>
+                </a:solidFill>
+              </a:rPr>
               <a:t>Arhitectura</a:t>
             </a:r>
             <a:r>
-              <a:rPr lang="en-US" dirty="0" smtClean="0"/>
+              <a:rPr lang="en-US" dirty="0" smtClean="0">
+                <a:solidFill>
+                  <a:schemeClr val="tx1"/>
+                </a:solidFill>
+              </a:rPr>
               <a:t> </a:t>
             </a:r>
             <a:r>
-              <a:rPr lang="en-US" dirty="0" err="1" smtClean="0"/>
+              <a:rPr lang="en-US" dirty="0" err="1" smtClean="0">
+                <a:solidFill>
+                  <a:schemeClr val="tx1"/>
+                </a:solidFill>
+              </a:rPr>
               <a:t>WebRTC-ului</a:t>
             </a:r>
-            <a:endParaRPr lang="en-US" dirty="0" smtClean="0"/>
+            <a:endParaRPr lang="en-US" dirty="0" smtClean="0">
+              <a:solidFill>
+                <a:schemeClr val="tx1"/>
+              </a:solidFill>
+            </a:endParaRPr>
           </a:p>
           <a:p>
             <a:pPr lvl="1"/>
             <a:r>
-              <a:rPr lang="en-US" dirty="0" smtClean="0"/>
+              <a:rPr lang="en-US" dirty="0" smtClean="0">
+                <a:solidFill>
+                  <a:schemeClr val="tx1"/>
+                </a:solidFill>
+              </a:rPr>
               <a:t>Web API</a:t>
             </a:r>
           </a:p>
           <a:p>
             <a:pPr lvl="1"/>
             <a:r>
-              <a:rPr lang="en-US" dirty="0" err="1" smtClean="0"/>
+              <a:rPr lang="en-US" dirty="0" err="1" smtClean="0">
+                <a:solidFill>
+                  <a:schemeClr val="tx1"/>
+                </a:solidFill>
+              </a:rPr>
               <a:t>WebRTC</a:t>
             </a:r>
             <a:r>
-              <a:rPr lang="en-US" dirty="0" smtClean="0"/>
+              <a:rPr lang="en-US" dirty="0" smtClean="0">
+                <a:solidFill>
+                  <a:schemeClr val="tx1"/>
+                </a:solidFill>
+              </a:rPr>
               <a:t> C++ API</a:t>
             </a:r>
-            <a:endParaRPr lang="ro-RO" dirty="0"/>
+            <a:endParaRPr lang="ro-RO" dirty="0">
+              <a:solidFill>
+                <a:schemeClr val="tx1"/>
+              </a:solidFill>
+            </a:endParaRPr>
           </a:p>
         </p:txBody>
       </p:sp>
@@ -14140,40 +15574,72 @@
           <a:lstStyle/>
           <a:p>
             <a:r>
-              <a:rPr lang="en-US" dirty="0" err="1" smtClean="0"/>
+              <a:rPr lang="en-US" dirty="0" err="1" smtClean="0">
+                <a:solidFill>
+                  <a:schemeClr val="tx1"/>
+                </a:solidFill>
+              </a:rPr>
               <a:t>Tipuri</a:t>
             </a:r>
             <a:r>
-              <a:rPr lang="en-US" dirty="0" smtClean="0"/>
+              <a:rPr lang="en-US" dirty="0" smtClean="0">
+                <a:solidFill>
+                  <a:schemeClr val="tx1"/>
+                </a:solidFill>
+              </a:rPr>
               <a:t> de </a:t>
             </a:r>
             <a:r>
-              <a:rPr lang="en-US" dirty="0" err="1" smtClean="0"/>
+              <a:rPr lang="en-US" dirty="0" err="1" smtClean="0">
+                <a:solidFill>
+                  <a:schemeClr val="tx1"/>
+                </a:solidFill>
+              </a:rPr>
               <a:t>conexiuni</a:t>
             </a:r>
-            <a:endParaRPr lang="en-US" dirty="0" smtClean="0"/>
+            <a:endParaRPr lang="en-US" dirty="0" smtClean="0">
+              <a:solidFill>
+                <a:schemeClr val="tx1"/>
+              </a:solidFill>
+            </a:endParaRPr>
           </a:p>
           <a:p>
             <a:pPr lvl="1"/>
             <a:r>
-              <a:rPr lang="en-US" dirty="0" smtClean="0"/>
+              <a:rPr lang="en-US" dirty="0" smtClean="0">
+                <a:solidFill>
+                  <a:schemeClr val="tx1"/>
+                </a:solidFill>
+              </a:rPr>
               <a:t>Peer-to-peer</a:t>
             </a:r>
           </a:p>
           <a:p>
             <a:pPr lvl="1"/>
             <a:r>
-              <a:rPr lang="en-US" dirty="0" smtClean="0"/>
+              <a:rPr lang="en-US" dirty="0" smtClean="0">
+                <a:solidFill>
+                  <a:schemeClr val="tx1"/>
+                </a:solidFill>
+              </a:rPr>
               <a:t>Multi-Unicast</a:t>
             </a:r>
           </a:p>
           <a:p>
             <a:pPr lvl="1"/>
             <a:r>
-              <a:rPr lang="en-US" dirty="0" smtClean="0"/>
+              <a:rPr lang="en-US" dirty="0" smtClean="0">
+                <a:solidFill>
+                  <a:schemeClr val="tx1"/>
+                </a:solidFill>
+              </a:rPr>
               <a:t>Mixer RTP cu un Unicast</a:t>
             </a:r>
-            <a:endParaRPr lang="ro-RO" dirty="0"/>
+            <a:endParaRPr lang="ro-RO" dirty="0">
+              <a:solidFill>
+                <a:schemeClr val="tx1"/>
+              </a:solidFill>
+            </a:endParaRPr>
           </a:p>
         </p:txBody>
       </p:sp>
@@ -14475,7 +15941,23 @@
                   <a:schemeClr val="tx1"/>
                 </a:solidFill>
               </a:rPr>
-              <a:t>aplicatie</a:t>
+              <a:t>aplica</a:t>
+            </a:r>
+            <a:r>
+              <a:rPr lang="ro-RO" dirty="0">
+                <a:solidFill>
+                  <a:schemeClr val="tx1"/>
+                </a:solidFill>
+              </a:rPr>
+              <a:t>ț</a:t>
+            </a:r>
+            <a:r>
+              <a:rPr lang="en-US" dirty="0" err="1" smtClean="0">
+                <a:solidFill>
+                  <a:schemeClr val="tx1"/>
+                </a:solidFill>
+              </a:rPr>
+              <a:t>ie</a:t>
             </a:r>
             <a:endParaRPr lang="en-US" dirty="0" smtClean="0">
               <a:solidFill>
@@ -14516,20 +15998,28 @@
           </a:p>
           <a:p>
             <a:r>
-              <a:rPr lang="en-US" dirty="0" err="1" smtClean="0">
-                <a:solidFill>
-                  <a:schemeClr val="tx1"/>
-                </a:solidFill>
-              </a:rPr>
-              <a:t>Pasii</a:t>
-            </a:r>
-            <a:r>
-              <a:rPr lang="en-US" dirty="0" smtClean="0">
-                <a:solidFill>
-                  <a:schemeClr val="tx1"/>
-                </a:solidFill>
-              </a:rPr>
-              <a:t> </a:t>
+              <a:rPr lang="en-US" dirty="0" smtClean="0">
+                <a:solidFill>
+                  <a:schemeClr val="tx1"/>
+                </a:solidFill>
+              </a:rPr>
+              <a:t>Pa</a:t>
+            </a:r>
+            <a:r>
+              <a:rPr lang="ro-RO" dirty="0" smtClean="0">
+                <a:solidFill>
+                  <a:schemeClr val="tx1"/>
+                </a:solidFill>
+              </a:rPr>
+              <a:t>ș</a:t>
+            </a:r>
+            <a:r>
+              <a:rPr lang="en-US" dirty="0" smtClean="0">
+                <a:solidFill>
+                  <a:schemeClr val="tx1"/>
+                </a:solidFill>
+              </a:rPr>
+              <a:t>ii </a:t>
             </a:r>
             <a:r>
               <a:rPr lang="en-US" dirty="0" err="1" smtClean="0">
@@ -14614,7 +16104,23 @@
                   <a:schemeClr val="tx1"/>
                 </a:solidFill>
               </a:rPr>
-              <a:t>Intrebari</a:t>
+              <a:t>Intreb</a:t>
+            </a:r>
+            <a:r>
+              <a:rPr lang="ro-RO" dirty="0" smtClean="0">
+                <a:solidFill>
+                  <a:schemeClr val="tx1"/>
+                </a:solidFill>
+              </a:rPr>
+              <a:t>ă</a:t>
+            </a:r>
+            <a:r>
+              <a:rPr lang="en-US" dirty="0" err="1" smtClean="0">
+                <a:solidFill>
+                  <a:schemeClr val="tx1"/>
+                </a:solidFill>
+              </a:rPr>
+              <a:t>ri</a:t>
             </a:r>
             <a:endParaRPr lang="en-US" dirty="0">
               <a:solidFill>
@@ -17705,77 +19211,221 @@
           <a:lstStyle/>
           <a:p>
             <a:r>
-              <a:rPr lang="en-US" dirty="0" err="1" smtClean="0"/>
+              <a:rPr lang="en-US" dirty="0" err="1" smtClean="0">
+                <a:solidFill>
+                  <a:schemeClr val="tx1"/>
+                </a:solidFill>
+              </a:rPr>
               <a:t>Avantaje</a:t>
             </a:r>
-            <a:endParaRPr lang="en-US" dirty="0" smtClean="0"/>
+            <a:endParaRPr lang="en-US" dirty="0" smtClean="0">
+              <a:solidFill>
+                <a:schemeClr val="tx1"/>
+              </a:solidFill>
+            </a:endParaRPr>
           </a:p>
           <a:p>
             <a:pPr lvl="1"/>
             <a:r>
-              <a:rPr lang="en-US" dirty="0" smtClean="0"/>
+              <a:rPr lang="en-US" dirty="0" smtClean="0">
+                <a:solidFill>
+                  <a:schemeClr val="tx1"/>
+                </a:solidFill>
+              </a:rPr>
               <a:t>Peer-to-peer</a:t>
             </a:r>
           </a:p>
           <a:p>
             <a:pPr lvl="1"/>
             <a:r>
-              <a:rPr lang="en-US" dirty="0" err="1" smtClean="0"/>
-              <a:t>Fara</a:t>
-            </a:r>
-            <a:r>
-              <a:rPr lang="en-US" dirty="0" smtClean="0"/>
+              <a:rPr lang="en-US" dirty="0" smtClean="0">
+                <a:solidFill>
+                  <a:schemeClr val="tx1"/>
+                </a:solidFill>
+              </a:rPr>
+              <a:t>F</a:t>
+            </a:r>
+            <a:r>
+              <a:rPr lang="ro-RO" dirty="0" smtClean="0">
+                <a:solidFill>
+                  <a:schemeClr val="tx1"/>
+                </a:solidFill>
+              </a:rPr>
+              <a:t>ă</a:t>
+            </a:r>
+            <a:r>
+              <a:rPr lang="en-US" dirty="0" smtClean="0">
+                <a:solidFill>
+                  <a:schemeClr val="tx1"/>
+                </a:solidFill>
+              </a:rPr>
+              <a:t>r</a:t>
+            </a:r>
+            <a:r>
+              <a:rPr lang="ro-RO" dirty="0" smtClean="0">
+                <a:solidFill>
+                  <a:schemeClr val="tx1"/>
+                </a:solidFill>
+              </a:rPr>
+              <a:t>ă</a:t>
+            </a:r>
+            <a:r>
+              <a:rPr lang="en-US" dirty="0" smtClean="0">
+                <a:solidFill>
+                  <a:schemeClr val="tx1"/>
+                </a:solidFill>
+              </a:rPr>
               <a:t> </a:t>
             </a:r>
             <a:r>
-              <a:rPr lang="en-US" dirty="0" err="1" smtClean="0"/>
+              <a:rPr lang="en-US" dirty="0" err="1" smtClean="0">
+                <a:solidFill>
+                  <a:schemeClr val="tx1"/>
+                </a:solidFill>
+              </a:rPr>
               <a:t>pluginuri</a:t>
             </a:r>
             <a:r>
-              <a:rPr lang="en-US" dirty="0" smtClean="0"/>
+              <a:rPr lang="en-US" dirty="0" smtClean="0">
+                <a:solidFill>
+                  <a:schemeClr val="tx1"/>
+                </a:solidFill>
+              </a:rPr>
               <a:t> </a:t>
             </a:r>
             <a:r>
-              <a:rPr lang="en-US" dirty="0" err="1" smtClean="0"/>
+              <a:rPr lang="en-US" dirty="0" err="1" smtClean="0">
+                <a:solidFill>
+                  <a:schemeClr val="tx1"/>
+                </a:solidFill>
+              </a:rPr>
               <a:t>sau</a:t>
             </a:r>
             <a:r>
-              <a:rPr lang="en-US" dirty="0" smtClean="0"/>
+              <a:rPr lang="en-US" dirty="0" smtClean="0">
+                <a:solidFill>
+                  <a:schemeClr val="tx1"/>
+                </a:solidFill>
+              </a:rPr>
               <a:t> </a:t>
             </a:r>
             <a:r>
-              <a:rPr lang="en-US" dirty="0" err="1" smtClean="0"/>
-              <a:t>librarii</a:t>
-            </a:r>
-            <a:r>
-              <a:rPr lang="en-US" dirty="0" smtClean="0"/>
+              <a:rPr lang="en-US" dirty="0" err="1" smtClean="0">
+                <a:solidFill>
+                  <a:schemeClr val="tx1"/>
+                </a:solidFill>
+              </a:rPr>
+              <a:t>libr</a:t>
+            </a:r>
+            <a:r>
+              <a:rPr lang="ro-RO" dirty="0" smtClean="0">
+                <a:solidFill>
+                  <a:schemeClr val="tx1"/>
+                </a:solidFill>
+              </a:rPr>
+              <a:t>ă</a:t>
+            </a:r>
+            <a:r>
+              <a:rPr lang="en-US" dirty="0" err="1" smtClean="0">
+                <a:solidFill>
+                  <a:schemeClr val="tx1"/>
+                </a:solidFill>
+              </a:rPr>
+              <a:t>rii</a:t>
+            </a:r>
+            <a:r>
+              <a:rPr lang="en-US" dirty="0" smtClean="0">
+                <a:solidFill>
+                  <a:schemeClr val="tx1"/>
+                </a:solidFill>
+              </a:rPr>
               <a:t> </a:t>
             </a:r>
             <a:r>
-              <a:rPr lang="en-US" dirty="0" err="1" smtClean="0"/>
+              <a:rPr lang="en-US" dirty="0" err="1" smtClean="0">
+                <a:solidFill>
+                  <a:schemeClr val="tx1"/>
+                </a:solidFill>
+              </a:rPr>
               <a:t>externe</a:t>
             </a:r>
-            <a:endParaRPr lang="en-US" dirty="0" smtClean="0"/>
+            <a:endParaRPr lang="en-US" dirty="0" smtClean="0">
+              <a:solidFill>
+                <a:schemeClr val="tx1"/>
+              </a:solidFill>
+            </a:endParaRPr>
           </a:p>
           <a:p>
             <a:pPr lvl="1"/>
             <a:r>
-              <a:rPr lang="en-US" dirty="0" err="1" smtClean="0"/>
+              <a:rPr lang="en-US" dirty="0" err="1" smtClean="0">
+                <a:solidFill>
+                  <a:schemeClr val="tx1"/>
+                </a:solidFill>
+              </a:rPr>
               <a:t>Schimb</a:t>
             </a:r>
             <a:r>
-              <a:rPr lang="en-US" dirty="0" smtClean="0"/>
+              <a:rPr lang="en-US" dirty="0" smtClean="0">
+                <a:solidFill>
+                  <a:schemeClr val="tx1"/>
+                </a:solidFill>
+              </a:rPr>
               <a:t> de date </a:t>
             </a:r>
             <a:r>
-              <a:rPr lang="en-US" dirty="0" err="1" smtClean="0"/>
-              <a:t>fara</a:t>
-            </a:r>
-            <a:r>
-              <a:rPr lang="en-US" dirty="0" smtClean="0"/>
-              <a:t> server</a:t>
-            </a:r>
-            <a:endParaRPr lang="ro-RO" dirty="0"/>
+              <a:rPr lang="en-US" dirty="0" smtClean="0">
+                <a:solidFill>
+                  <a:schemeClr val="tx1"/>
+                </a:solidFill>
+              </a:rPr>
+              <a:t>f</a:t>
+            </a:r>
+            <a:r>
+              <a:rPr lang="ro-RO" dirty="0" smtClean="0">
+                <a:solidFill>
+                  <a:schemeClr val="tx1"/>
+                </a:solidFill>
+              </a:rPr>
+              <a:t>ă</a:t>
+            </a:r>
+            <a:r>
+              <a:rPr lang="en-US" dirty="0" smtClean="0">
+                <a:solidFill>
+                  <a:schemeClr val="tx1"/>
+                </a:solidFill>
+              </a:rPr>
+              <a:t>r</a:t>
+            </a:r>
+            <a:r>
+              <a:rPr lang="ro-RO" dirty="0" smtClean="0">
+                <a:solidFill>
+                  <a:schemeClr val="tx1"/>
+                </a:solidFill>
+              </a:rPr>
+              <a:t>ă</a:t>
+            </a:r>
+            <a:r>
+              <a:rPr lang="en-US" dirty="0" smtClean="0">
+                <a:solidFill>
+                  <a:schemeClr val="tx1"/>
+                </a:solidFill>
+              </a:rPr>
+              <a:t> </a:t>
+            </a:r>
+            <a:r>
+              <a:rPr lang="en-US" dirty="0" smtClean="0">
+                <a:solidFill>
+                  <a:schemeClr val="tx1"/>
+                </a:solidFill>
+              </a:rPr>
+              <a:t>server</a:t>
+            </a:r>
+            <a:endParaRPr lang="ro-RO" dirty="0">
+              <a:solidFill>
+                <a:schemeClr val="tx1"/>
+              </a:solidFill>
+            </a:endParaRPr>
           </a:p>
         </p:txBody>
       </p:sp>
